--- a/NOS2.pptx
+++ b/NOS2.pptx
@@ -9,36 +9,37 @@
     <p:sldId id="257" r:id="rId3"/>
     <p:sldId id="258" r:id="rId4"/>
     <p:sldId id="266" r:id="rId5"/>
-    <p:sldId id="259" r:id="rId6"/>
-    <p:sldId id="261" r:id="rId7"/>
-    <p:sldId id="260" r:id="rId8"/>
-    <p:sldId id="262" r:id="rId9"/>
-    <p:sldId id="263" r:id="rId10"/>
-    <p:sldId id="264" r:id="rId11"/>
-    <p:sldId id="265" r:id="rId12"/>
-    <p:sldId id="267" r:id="rId13"/>
-    <p:sldId id="268" r:id="rId14"/>
-    <p:sldId id="269" r:id="rId15"/>
-    <p:sldId id="270" r:id="rId16"/>
-    <p:sldId id="271" r:id="rId17"/>
-    <p:sldId id="272" r:id="rId18"/>
-    <p:sldId id="273" r:id="rId19"/>
-    <p:sldId id="274" r:id="rId20"/>
-    <p:sldId id="275" r:id="rId21"/>
-    <p:sldId id="276" r:id="rId22"/>
-    <p:sldId id="277" r:id="rId23"/>
-    <p:sldId id="278" r:id="rId24"/>
-    <p:sldId id="279" r:id="rId25"/>
-    <p:sldId id="280" r:id="rId26"/>
-    <p:sldId id="281" r:id="rId27"/>
-    <p:sldId id="282" r:id="rId28"/>
-    <p:sldId id="283" r:id="rId29"/>
-    <p:sldId id="284" r:id="rId30"/>
-    <p:sldId id="285" r:id="rId31"/>
-    <p:sldId id="286" r:id="rId32"/>
-    <p:sldId id="287" r:id="rId33"/>
-    <p:sldId id="288" r:id="rId34"/>
-    <p:sldId id="289" r:id="rId35"/>
+    <p:sldId id="290" r:id="rId6"/>
+    <p:sldId id="259" r:id="rId7"/>
+    <p:sldId id="261" r:id="rId8"/>
+    <p:sldId id="260" r:id="rId9"/>
+    <p:sldId id="262" r:id="rId10"/>
+    <p:sldId id="263" r:id="rId11"/>
+    <p:sldId id="264" r:id="rId12"/>
+    <p:sldId id="265" r:id="rId13"/>
+    <p:sldId id="267" r:id="rId14"/>
+    <p:sldId id="268" r:id="rId15"/>
+    <p:sldId id="269" r:id="rId16"/>
+    <p:sldId id="270" r:id="rId17"/>
+    <p:sldId id="271" r:id="rId18"/>
+    <p:sldId id="272" r:id="rId19"/>
+    <p:sldId id="273" r:id="rId20"/>
+    <p:sldId id="274" r:id="rId21"/>
+    <p:sldId id="275" r:id="rId22"/>
+    <p:sldId id="276" r:id="rId23"/>
+    <p:sldId id="277" r:id="rId24"/>
+    <p:sldId id="278" r:id="rId25"/>
+    <p:sldId id="279" r:id="rId26"/>
+    <p:sldId id="280" r:id="rId27"/>
+    <p:sldId id="281" r:id="rId28"/>
+    <p:sldId id="282" r:id="rId29"/>
+    <p:sldId id="283" r:id="rId30"/>
+    <p:sldId id="284" r:id="rId31"/>
+    <p:sldId id="285" r:id="rId32"/>
+    <p:sldId id="286" r:id="rId33"/>
+    <p:sldId id="287" r:id="rId34"/>
+    <p:sldId id="288" r:id="rId35"/>
+    <p:sldId id="289" r:id="rId36"/>
   </p:sldIdLst>
   <p:sldSz cx="12192000" cy="6858000"/>
   <p:notesSz cx="6858000" cy="9144000"/>
@@ -292,7 +293,7 @@
           <a:p>
             <a:fld id="{7CFD67F6-5CD2-4BB7-BCDF-DC0156D85661}" type="datetimeFigureOut">
               <a:rPr lang="en-US" smtClean="0"/>
-              <a:t>6/1/2024</a:t>
+              <a:t>6/9/2024</a:t>
             </a:fld>
             <a:endParaRPr lang="en-US"/>
           </a:p>
@@ -490,7 +491,7 @@
           <a:p>
             <a:fld id="{7CFD67F6-5CD2-4BB7-BCDF-DC0156D85661}" type="datetimeFigureOut">
               <a:rPr lang="en-US" smtClean="0"/>
-              <a:t>6/1/2024</a:t>
+              <a:t>6/9/2024</a:t>
             </a:fld>
             <a:endParaRPr lang="en-US"/>
           </a:p>
@@ -698,7 +699,7 @@
           <a:p>
             <a:fld id="{7CFD67F6-5CD2-4BB7-BCDF-DC0156D85661}" type="datetimeFigureOut">
               <a:rPr lang="en-US" smtClean="0"/>
-              <a:t>6/1/2024</a:t>
+              <a:t>6/9/2024</a:t>
             </a:fld>
             <a:endParaRPr lang="en-US"/>
           </a:p>
@@ -896,7 +897,7 @@
           <a:p>
             <a:fld id="{7CFD67F6-5CD2-4BB7-BCDF-DC0156D85661}" type="datetimeFigureOut">
               <a:rPr lang="en-US" smtClean="0"/>
-              <a:t>6/1/2024</a:t>
+              <a:t>6/9/2024</a:t>
             </a:fld>
             <a:endParaRPr lang="en-US"/>
           </a:p>
@@ -1171,7 +1172,7 @@
           <a:p>
             <a:fld id="{7CFD67F6-5CD2-4BB7-BCDF-DC0156D85661}" type="datetimeFigureOut">
               <a:rPr lang="en-US" smtClean="0"/>
-              <a:t>6/1/2024</a:t>
+              <a:t>6/9/2024</a:t>
             </a:fld>
             <a:endParaRPr lang="en-US"/>
           </a:p>
@@ -1436,7 +1437,7 @@
           <a:p>
             <a:fld id="{7CFD67F6-5CD2-4BB7-BCDF-DC0156D85661}" type="datetimeFigureOut">
               <a:rPr lang="en-US" smtClean="0"/>
-              <a:t>6/1/2024</a:t>
+              <a:t>6/9/2024</a:t>
             </a:fld>
             <a:endParaRPr lang="en-US"/>
           </a:p>
@@ -1848,7 +1849,7 @@
           <a:p>
             <a:fld id="{7CFD67F6-5CD2-4BB7-BCDF-DC0156D85661}" type="datetimeFigureOut">
               <a:rPr lang="en-US" smtClean="0"/>
-              <a:t>6/1/2024</a:t>
+              <a:t>6/9/2024</a:t>
             </a:fld>
             <a:endParaRPr lang="en-US"/>
           </a:p>
@@ -1989,7 +1990,7 @@
           <a:p>
             <a:fld id="{7CFD67F6-5CD2-4BB7-BCDF-DC0156D85661}" type="datetimeFigureOut">
               <a:rPr lang="en-US" smtClean="0"/>
-              <a:t>6/1/2024</a:t>
+              <a:t>6/9/2024</a:t>
             </a:fld>
             <a:endParaRPr lang="en-US"/>
           </a:p>
@@ -2102,7 +2103,7 @@
           <a:p>
             <a:fld id="{7CFD67F6-5CD2-4BB7-BCDF-DC0156D85661}" type="datetimeFigureOut">
               <a:rPr lang="en-US" smtClean="0"/>
-              <a:t>6/1/2024</a:t>
+              <a:t>6/9/2024</a:t>
             </a:fld>
             <a:endParaRPr lang="en-US"/>
           </a:p>
@@ -2413,7 +2414,7 @@
           <a:p>
             <a:fld id="{7CFD67F6-5CD2-4BB7-BCDF-DC0156D85661}" type="datetimeFigureOut">
               <a:rPr lang="en-US" smtClean="0"/>
-              <a:t>6/1/2024</a:t>
+              <a:t>6/9/2024</a:t>
             </a:fld>
             <a:endParaRPr lang="en-US"/>
           </a:p>
@@ -2701,7 +2702,7 @@
           <a:p>
             <a:fld id="{7CFD67F6-5CD2-4BB7-BCDF-DC0156D85661}" type="datetimeFigureOut">
               <a:rPr lang="en-US" smtClean="0"/>
-              <a:t>6/1/2024</a:t>
+              <a:t>6/9/2024</a:t>
             </a:fld>
             <a:endParaRPr lang="en-US"/>
           </a:p>
@@ -2972,7 +2973,7 @@
           <a:p>
             <a:fld id="{7CFD67F6-5CD2-4BB7-BCDF-DC0156D85661}" type="datetimeFigureOut">
               <a:rPr lang="en-US" smtClean="0"/>
-              <a:t>6/1/2024</a:t>
+              <a:t>6/9/2024</a:t>
             </a:fld>
             <a:endParaRPr lang="en-US"/>
           </a:p>
@@ -3488,7 +3489,7 @@
           <p:cNvPr id="2" name="Title 1">
             <a:extLst>
               <a:ext uri="{FF2B5EF4-FFF2-40B4-BE49-F238E27FC236}">
-                <a16:creationId xmlns:a16="http://schemas.microsoft.com/office/drawing/2014/main" id="{BDF3BB19-364F-0E92-98E1-7BB23EAE3B8B}"/>
+                <a16:creationId xmlns:a16="http://schemas.microsoft.com/office/drawing/2014/main" id="{F8F6720C-1AD6-72A7-0E9F-D3E1D930AF1A}"/>
               </a:ext>
             </a:extLst>
           </p:cNvPr>
@@ -3506,93 +3507,93 @@
           <a:p>
             <a:r>
               <a:rPr lang="sr-Latn-RS" dirty="0"/>
-              <a:t>ZephyrOS – stanja niti</a:t>
+              <a:t>ZephyrOS – niti </a:t>
             </a:r>
             <a:endParaRPr lang="en-US" dirty="0"/>
           </a:p>
         </p:txBody>
       </p:sp>
-      <p:pic>
-        <p:nvPicPr>
-          <p:cNvPr id="7" name="Content Placeholder 6">
-            <a:extLst>
-              <a:ext uri="{FF2B5EF4-FFF2-40B4-BE49-F238E27FC236}">
-                <a16:creationId xmlns:a16="http://schemas.microsoft.com/office/drawing/2014/main" id="{538FC399-785B-5820-B725-645081C21A2D}"/>
-              </a:ext>
-            </a:extLst>
-          </p:cNvPr>
-          <p:cNvPicPr>
-            <a:picLocks noGrp="1" noChangeAspect="1"/>
-          </p:cNvPicPr>
+      <p:sp>
+        <p:nvSpPr>
+          <p:cNvPr id="3" name="Content Placeholder 2">
+            <a:extLst>
+              <a:ext uri="{FF2B5EF4-FFF2-40B4-BE49-F238E27FC236}">
+                <a16:creationId xmlns:a16="http://schemas.microsoft.com/office/drawing/2014/main" id="{65F2643F-2B0D-563D-5623-FFF5DD6FBB4A}"/>
+              </a:ext>
+            </a:extLst>
+          </p:cNvPr>
+          <p:cNvSpPr>
+            <a:spLocks noGrp="1"/>
+          </p:cNvSpPr>
           <p:nvPr>
             <p:ph idx="1"/>
           </p:nvPr>
-        </p:nvPicPr>
-        <p:blipFill>
-          <a:blip r:embed="rId2"/>
-          <a:stretch>
-            <a:fillRect/>
-          </a:stretch>
-        </p:blipFill>
-        <p:spPr>
-          <a:xfrm>
-            <a:off x="1516466" y="2133735"/>
-            <a:ext cx="5953956" cy="3810532"/>
-          </a:xfrm>
-          <a:prstGeom prst="rect">
-            <a:avLst/>
-          </a:prstGeom>
-        </p:spPr>
-      </p:pic>
-      <p:sp>
-        <p:nvSpPr>
-          <p:cNvPr id="8" name="TextBox 7">
-            <a:extLst>
-              <a:ext uri="{FF2B5EF4-FFF2-40B4-BE49-F238E27FC236}">
-                <a16:creationId xmlns:a16="http://schemas.microsoft.com/office/drawing/2014/main" id="{1854F5C0-BE1B-1DA0-DA3E-CBD7E28306B2}"/>
-              </a:ext>
-            </a:extLst>
-          </p:cNvPr>
-          <p:cNvSpPr txBox="1"/>
-          <p:nvPr/>
-        </p:nvSpPr>
-        <p:spPr>
-          <a:xfrm>
-            <a:off x="7658416" y="2146439"/>
-            <a:ext cx="4663246" cy="2677656"/>
-          </a:xfrm>
-          <a:prstGeom prst="rect">
-            <a:avLst/>
-          </a:prstGeom>
-          <a:noFill/>
-        </p:spPr>
-        <p:txBody>
-          <a:bodyPr wrap="square" rtlCol="0">
-            <a:spAutoFit/>
-          </a:bodyPr>
-          <a:lstStyle/>
-          <a:p>
-            <a:r>
-              <a:rPr lang="sr-Latn-RS" sz="2800" dirty="0"/>
-              <a:t>Ne postoji razlika između Ready i Running stanja niti</a:t>
-            </a:r>
-          </a:p>
-          <a:p>
-            <a:endParaRPr lang="sr-Latn-RS" sz="2800" dirty="0"/>
-          </a:p>
-          <a:p>
-            <a:r>
-              <a:rPr lang="sr-Latn-RS" sz="2800" dirty="0"/>
-              <a:t>Postoji razlika u stanju raspoređivanja (Scheduling State)</a:t>
-            </a:r>
-            <a:endParaRPr lang="en-US" sz="2800" dirty="0"/>
+        </p:nvSpPr>
+        <p:spPr/>
+        <p:txBody>
+          <a:bodyPr/>
+          <a:lstStyle/>
+          <a:p>
+            <a:r>
+              <a:rPr lang="sr-Latn-RS" dirty="0"/>
+              <a:t>Životni ciklus niti:</a:t>
+            </a:r>
+          </a:p>
+          <a:p>
+            <a:pPr lvl="1"/>
+            <a:r>
+              <a:rPr lang="sr-Latn-RS" dirty="0"/>
+              <a:t>Thread creation – inicijalizacija steka i TCB-a</a:t>
+            </a:r>
+          </a:p>
+          <a:p>
+            <a:pPr lvl="1"/>
+            <a:r>
+              <a:rPr lang="sr-Latn-RS" dirty="0"/>
+              <a:t>Thread termination – sinhroni prekid izvršenja niti – </a:t>
+            </a:r>
+            <a:r>
+              <a:rPr lang="sr-Latn-RS" i="1" dirty="0"/>
+              <a:t>k_thread_join()</a:t>
+            </a:r>
+          </a:p>
+          <a:p>
+            <a:pPr lvl="1"/>
+            <a:r>
+              <a:rPr lang="sr-Latn-RS" dirty="0"/>
+              <a:t>Thread aborting – asinhroni prekid izvršenja niti (trigerovanje fatal error događaja zbog koga nit prekida izvršenje) – </a:t>
+            </a:r>
+            <a:r>
+              <a:rPr lang="sr-Latn-RS" i="1" dirty="0"/>
+              <a:t>k_thread_abort()</a:t>
+            </a:r>
+          </a:p>
+          <a:p>
+            <a:pPr lvl="1"/>
+            <a:r>
+              <a:rPr lang="sr-Latn-RS" dirty="0"/>
+              <a:t>Thread suspension – prekid rada izvršenja niti – </a:t>
+            </a:r>
+            <a:r>
+              <a:rPr lang="sr-Latn-RS" i="1" dirty="0"/>
+              <a:t>k_thread_suspend() </a:t>
+            </a:r>
+            <a:r>
+              <a:rPr lang="sr-Latn-RS" dirty="0"/>
+              <a:t>sa mogućnošću nastavka izvršenja – </a:t>
+            </a:r>
+            <a:r>
+              <a:rPr lang="sr-Latn-RS" i="1" dirty="0"/>
+              <a:t>k_thread_resume()</a:t>
+            </a:r>
+            <a:endParaRPr lang="en-US" i="1" dirty="0"/>
           </a:p>
         </p:txBody>
       </p:sp>
     </p:spTree>
     <p:extLst>
       <p:ext uri="{BB962C8B-B14F-4D97-AF65-F5344CB8AC3E}">
-        <p14:creationId xmlns:p14="http://schemas.microsoft.com/office/powerpoint/2010/main" val="1542594668"/>
+        <p14:creationId xmlns:p14="http://schemas.microsoft.com/office/powerpoint/2010/main" val="3393857148"/>
       </p:ext>
     </p:extLst>
   </p:cSld>
@@ -3624,7 +3625,7 @@
           <p:cNvPr id="2" name="Title 1">
             <a:extLst>
               <a:ext uri="{FF2B5EF4-FFF2-40B4-BE49-F238E27FC236}">
-                <a16:creationId xmlns:a16="http://schemas.microsoft.com/office/drawing/2014/main" id="{4058A3EE-B3D5-76DF-A493-561859D13E22}"/>
+                <a16:creationId xmlns:a16="http://schemas.microsoft.com/office/drawing/2014/main" id="{BDF3BB19-364F-0E92-98E1-7BB23EAE3B8B}"/>
               </a:ext>
             </a:extLst>
           </p:cNvPr>
@@ -3642,129 +3643,93 @@
           <a:p>
             <a:r>
               <a:rPr lang="sr-Latn-RS" dirty="0"/>
-              <a:t>ZephyrOS – pritoritet niti </a:t>
+              <a:t>ZephyrOS – stanja niti</a:t>
             </a:r>
             <a:endParaRPr lang="en-US" dirty="0"/>
           </a:p>
         </p:txBody>
       </p:sp>
-      <p:sp>
-        <p:nvSpPr>
-          <p:cNvPr id="3" name="Content Placeholder 2">
-            <a:extLst>
-              <a:ext uri="{FF2B5EF4-FFF2-40B4-BE49-F238E27FC236}">
-                <a16:creationId xmlns:a16="http://schemas.microsoft.com/office/drawing/2014/main" id="{60AD5813-A001-D592-6842-ABDE5CEEBBB2}"/>
-              </a:ext>
-            </a:extLst>
-          </p:cNvPr>
-          <p:cNvSpPr>
-            <a:spLocks noGrp="1"/>
-          </p:cNvSpPr>
+      <p:pic>
+        <p:nvPicPr>
+          <p:cNvPr id="7" name="Content Placeholder 6">
+            <a:extLst>
+              <a:ext uri="{FF2B5EF4-FFF2-40B4-BE49-F238E27FC236}">
+                <a16:creationId xmlns:a16="http://schemas.microsoft.com/office/drawing/2014/main" id="{538FC399-785B-5820-B725-645081C21A2D}"/>
+              </a:ext>
+            </a:extLst>
+          </p:cNvPr>
+          <p:cNvPicPr>
+            <a:picLocks noGrp="1" noChangeAspect="1"/>
+          </p:cNvPicPr>
           <p:nvPr>
             <p:ph idx="1"/>
           </p:nvPr>
-        </p:nvSpPr>
-        <p:spPr/>
-        <p:txBody>
-          <a:bodyPr/>
-          <a:lstStyle/>
-          <a:p>
-            <a:r>
-              <a:rPr lang="sr-Latn-RS" dirty="0"/>
-              <a:t>Prioritet niti predstavlja celobrojnu vrednost, gde manja vrednost predstavlja veći prioritet i obrnuto</a:t>
-            </a:r>
-          </a:p>
-          <a:p>
-            <a:r>
-              <a:rPr lang="sr-Latn-RS" dirty="0"/>
-              <a:t>Niti mogu biti </a:t>
-            </a:r>
-            <a:r>
-              <a:rPr lang="sr-Latn-RS" i="1" dirty="0"/>
-              <a:t>cooperative</a:t>
-            </a:r>
-            <a:r>
-              <a:rPr lang="sr-Latn-RS" dirty="0"/>
-              <a:t> (sa negativnom vrednošću prioriteta) i </a:t>
-            </a:r>
-            <a:r>
-              <a:rPr lang="sr-Latn-RS" i="1" dirty="0"/>
-              <a:t>preemptible </a:t>
-            </a:r>
-            <a:r>
-              <a:rPr lang="sr-Latn-RS" dirty="0"/>
-              <a:t>(sa pozitivnom vrednošću)</a:t>
-            </a:r>
-            <a:endParaRPr lang="sr-Latn-RS" i="1" dirty="0"/>
-          </a:p>
-          <a:p>
-            <a:r>
-              <a:rPr lang="sr-Latn-RS" dirty="0"/>
-              <a:t>Konfiguracione promenljive CONFIG_NUM_COOP_PRIORITIES i CONFIG_NUM_PREEMPT_PRIORITIES definišu do koje vrednosti prioritet može ići, i to:</a:t>
-            </a:r>
-          </a:p>
-          <a:p>
-            <a:pPr lvl="1"/>
-            <a:r>
-              <a:rPr lang="en-US" i="1" dirty="0"/>
-              <a:t>cooperative</a:t>
-            </a:r>
-            <a:r>
-              <a:rPr lang="en-US" dirty="0"/>
-              <a:t> </a:t>
-            </a:r>
-            <a:r>
-              <a:rPr lang="sr-Latn-RS" dirty="0"/>
-              <a:t>niti</a:t>
-            </a:r>
-            <a:r>
-              <a:rPr lang="en-US" dirty="0"/>
-              <a:t>: (-CONFIG_NUM_COOP_PRIORITIES) </a:t>
-            </a:r>
-            <a:r>
-              <a:rPr lang="sr-Latn-RS" dirty="0"/>
-              <a:t>d</a:t>
-            </a:r>
-            <a:r>
-              <a:rPr lang="en-US" dirty="0"/>
-              <a:t>o -1</a:t>
-            </a:r>
-            <a:endParaRPr lang="sr-Latn-RS" dirty="0"/>
-          </a:p>
-          <a:p>
-            <a:pPr lvl="1"/>
-            <a:r>
-              <a:rPr lang="en-US" i="1" dirty="0"/>
-              <a:t>preemptive</a:t>
-            </a:r>
-            <a:r>
-              <a:rPr lang="en-US" dirty="0"/>
-              <a:t> </a:t>
-            </a:r>
-            <a:r>
-              <a:rPr lang="sr-Latn-RS" dirty="0"/>
-              <a:t>niti</a:t>
-            </a:r>
-            <a:r>
-              <a:rPr lang="en-US" dirty="0"/>
-              <a:t>: 0 </a:t>
-            </a:r>
-            <a:r>
-              <a:rPr lang="sr-Latn-RS" dirty="0"/>
-              <a:t>d</a:t>
-            </a:r>
-            <a:r>
-              <a:rPr lang="en-US" dirty="0"/>
-              <a:t>o (CONFIG_NUM_PREEMPT_PRIORITIES - 1)</a:t>
-            </a:r>
-            <a:endParaRPr lang="sr-Latn-RS" dirty="0"/>
+        </p:nvPicPr>
+        <p:blipFill>
+          <a:blip r:embed="rId2"/>
+          <a:stretch>
+            <a:fillRect/>
+          </a:stretch>
+        </p:blipFill>
+        <p:spPr>
+          <a:xfrm>
+            <a:off x="1516466" y="2133735"/>
+            <a:ext cx="5953956" cy="3810532"/>
+          </a:xfrm>
+          <a:prstGeom prst="rect">
+            <a:avLst/>
+          </a:prstGeom>
+        </p:spPr>
+      </p:pic>
+      <p:sp>
+        <p:nvSpPr>
+          <p:cNvPr id="8" name="TextBox 7">
+            <a:extLst>
+              <a:ext uri="{FF2B5EF4-FFF2-40B4-BE49-F238E27FC236}">
+                <a16:creationId xmlns:a16="http://schemas.microsoft.com/office/drawing/2014/main" id="{1854F5C0-BE1B-1DA0-DA3E-CBD7E28306B2}"/>
+              </a:ext>
+            </a:extLst>
+          </p:cNvPr>
+          <p:cNvSpPr txBox="1"/>
+          <p:nvPr/>
+        </p:nvSpPr>
+        <p:spPr>
+          <a:xfrm>
+            <a:off x="7658416" y="2146439"/>
+            <a:ext cx="4663246" cy="2677656"/>
+          </a:xfrm>
+          <a:prstGeom prst="rect">
+            <a:avLst/>
+          </a:prstGeom>
+          <a:noFill/>
+        </p:spPr>
+        <p:txBody>
+          <a:bodyPr wrap="square" rtlCol="0">
+            <a:spAutoFit/>
+          </a:bodyPr>
+          <a:lstStyle/>
+          <a:p>
+            <a:r>
+              <a:rPr lang="sr-Latn-RS" sz="2800" dirty="0"/>
+              <a:t>Ne postoji razlika između Ready i Running stanja niti</a:t>
+            </a:r>
+          </a:p>
+          <a:p>
+            <a:endParaRPr lang="sr-Latn-RS" sz="2800" dirty="0"/>
+          </a:p>
+          <a:p>
+            <a:r>
+              <a:rPr lang="sr-Latn-RS" sz="2800" dirty="0"/>
+              <a:t>Postoji razlika u stanju raspoređivanja (Scheduling State)</a:t>
+            </a:r>
+            <a:endParaRPr lang="en-US" sz="2800" dirty="0"/>
           </a:p>
         </p:txBody>
       </p:sp>
     </p:spTree>
     <p:extLst>
       <p:ext uri="{BB962C8B-B14F-4D97-AF65-F5344CB8AC3E}">
-        <p14:creationId xmlns:p14="http://schemas.microsoft.com/office/powerpoint/2010/main" val="2566071587"/>
+        <p14:creationId xmlns:p14="http://schemas.microsoft.com/office/powerpoint/2010/main" val="1542594668"/>
       </p:ext>
     </p:extLst>
   </p:cSld>
@@ -3796,7 +3761,7 @@
           <p:cNvPr id="2" name="Title 1">
             <a:extLst>
               <a:ext uri="{FF2B5EF4-FFF2-40B4-BE49-F238E27FC236}">
-                <a16:creationId xmlns:a16="http://schemas.microsoft.com/office/drawing/2014/main" id="{3D74CC95-C450-1711-342C-7D20D95896C3}"/>
+                <a16:creationId xmlns:a16="http://schemas.microsoft.com/office/drawing/2014/main" id="{4058A3EE-B3D5-76DF-A493-561859D13E22}"/>
               </a:ext>
             </a:extLst>
           </p:cNvPr>
@@ -3814,7 +3779,7 @@
           <a:p>
             <a:r>
               <a:rPr lang="sr-Latn-RS" dirty="0"/>
-              <a:t>ZephyrOS – raspoređivanje </a:t>
+              <a:t>ZephyrOS – pritoritet niti </a:t>
             </a:r>
             <a:endParaRPr lang="en-US" dirty="0"/>
           </a:p>
@@ -3825,7 +3790,7 @@
           <p:cNvPr id="3" name="Content Placeholder 2">
             <a:extLst>
               <a:ext uri="{FF2B5EF4-FFF2-40B4-BE49-F238E27FC236}">
-                <a16:creationId xmlns:a16="http://schemas.microsoft.com/office/drawing/2014/main" id="{8E954DB1-0AB7-05E3-0909-A41AF541782C}"/>
+                <a16:creationId xmlns:a16="http://schemas.microsoft.com/office/drawing/2014/main" id="{60AD5813-A001-D592-6842-ABDE5CEEBBB2}"/>
               </a:ext>
             </a:extLst>
           </p:cNvPr>
@@ -3838,112 +3803,48 @@
         </p:nvSpPr>
         <p:spPr/>
         <p:txBody>
-          <a:bodyPr>
-            <a:normAutofit lnSpcReduction="10000"/>
-          </a:bodyPr>
-          <a:lstStyle/>
-          <a:p>
-            <a:r>
-              <a:rPr lang="sr-Latn-RS" dirty="0"/>
-              <a:t>Raspoređivanje (engl. </a:t>
+          <a:bodyPr/>
+          <a:lstStyle/>
+          <a:p>
+            <a:r>
+              <a:rPr lang="sr-Latn-RS" dirty="0"/>
+              <a:t>Prioritet niti predstavlja celobrojnu vrednost, gde manja vrednost predstavlja veći prioritet i obrnuto</a:t>
+            </a:r>
+          </a:p>
+          <a:p>
+            <a:r>
+              <a:rPr lang="sr-Latn-RS" dirty="0"/>
+              <a:t>Niti mogu biti </a:t>
             </a:r>
             <a:r>
               <a:rPr lang="sr-Latn-RS" i="1" dirty="0"/>
-              <a:t>scheduling</a:t>
-            </a:r>
-            <a:r>
-              <a:rPr lang="sr-Latn-RS" dirty="0"/>
-              <a:t>) bazirano na prioritetu, između 2 niti istog prioriteta bira se nit koja se duže nalazi u redu čekanja</a:t>
-            </a:r>
-          </a:p>
-          <a:p>
-            <a:r>
-              <a:rPr lang="sr-Latn-RS" dirty="0"/>
-              <a:t>Raspoređivanje na nivou niti</a:t>
-            </a:r>
-          </a:p>
-          <a:p>
-            <a:r>
-              <a:rPr lang="sr-Latn-RS" dirty="0"/>
-              <a:t>Uloga </a:t>
+              <a:t>cooperative</a:t>
+            </a:r>
+            <a:r>
+              <a:rPr lang="sr-Latn-RS" dirty="0"/>
+              <a:t> (sa negativnom vrednošću prioriteta) i </a:t>
             </a:r>
             <a:r>
               <a:rPr lang="sr-Latn-RS" i="1" dirty="0"/>
-              <a:t>scheduler-a</a:t>
-            </a:r>
-            <a:r>
-              <a:rPr lang="sr-Latn-RS" dirty="0"/>
-              <a:t> da u tačkama raspoređivanja odluči koja nit sledeća treba da se izvršava</a:t>
-            </a:r>
-          </a:p>
-          <a:p>
-            <a:r>
-              <a:rPr lang="sr-Latn-RS" dirty="0"/>
-              <a:t>Tačke raspoređivanje mogu biti:</a:t>
+              <a:t>preemptible </a:t>
+            </a:r>
+            <a:r>
+              <a:rPr lang="sr-Latn-RS" dirty="0"/>
+              <a:t>(sa pozitivnom vrednošću)</a:t>
+            </a:r>
+            <a:endParaRPr lang="sr-Latn-RS" i="1" dirty="0"/>
+          </a:p>
+          <a:p>
+            <a:r>
+              <a:rPr lang="sr-Latn-RS" dirty="0"/>
+              <a:t>Konfiguracione promenljive CONFIG_NUM_COOP_PRIORITIES i CONFIG_NUM_PREEMPT_PRIORITIES definišu do koje vrednosti prioritet može ići, i to:</a:t>
             </a:r>
           </a:p>
           <a:p>
             <a:pPr lvl="1"/>
             <a:r>
-              <a:rPr lang="sr-Latn-RS" dirty="0"/>
-              <a:t>Prelazak niti iz running u waiting stanje kao rezultat poziva </a:t>
-            </a:r>
-            <a:r>
-              <a:rPr lang="sr-Latn-RS" i="1" dirty="0"/>
-              <a:t>k_sem_take </a:t>
-            </a:r>
-            <a:r>
-              <a:rPr lang="sr-Latn-RS" dirty="0"/>
-              <a:t>ili </a:t>
-            </a:r>
-            <a:r>
-              <a:rPr lang="sr-Latn-RS" i="1" dirty="0"/>
-              <a:t>k_sleep </a:t>
-            </a:r>
-            <a:r>
-              <a:rPr lang="sr-Latn-RS" dirty="0"/>
-              <a:t>rutina</a:t>
-            </a:r>
-          </a:p>
-          <a:p>
-            <a:pPr lvl="1"/>
-            <a:r>
-              <a:rPr lang="sr-Latn-RS" dirty="0"/>
-              <a:t>Prelazak u running stanje zbog </a:t>
-            </a:r>
-            <a:r>
-              <a:rPr lang="sr-Latn-RS" i="1" dirty="0"/>
-              <a:t>k_sem_give </a:t>
-            </a:r>
-            <a:r>
-              <a:rPr lang="sr-Latn-RS" dirty="0"/>
-              <a:t>ili </a:t>
-            </a:r>
-            <a:r>
-              <a:rPr lang="sr-Latn-RS" i="1" dirty="0"/>
-              <a:t>k_thread_start </a:t>
-            </a:r>
-            <a:r>
-              <a:rPr lang="sr-Latn-RS" dirty="0"/>
-              <a:t>rutina</a:t>
-            </a:r>
-          </a:p>
-          <a:p>
-            <a:pPr lvl="1"/>
-            <a:r>
-              <a:rPr lang="sr-Latn-RS" dirty="0"/>
-              <a:t>Povratak iz obrade prekidne rutine</a:t>
-            </a:r>
-          </a:p>
-          <a:p>
-            <a:pPr lvl="1"/>
-            <a:r>
-              <a:rPr lang="sr-Latn-RS" dirty="0"/>
-              <a:t>Poziv </a:t>
-            </a:r>
-            <a:r>
-              <a:rPr lang="sr-Latn-RS" i="1" dirty="0"/>
-              <a:t>yield</a:t>
+              <a:rPr lang="en-US" i="1" dirty="0"/>
+              <a:t>cooperative</a:t>
             </a:r>
             <a:r>
               <a:rPr lang="en-US" dirty="0"/>
@@ -3951,19 +3852,56 @@
             </a:r>
             <a:r>
               <a:rPr lang="sr-Latn-RS" dirty="0"/>
-              <a:t>rutine</a:t>
-            </a:r>
+              <a:t>niti</a:t>
+            </a:r>
+            <a:r>
+              <a:rPr lang="en-US" dirty="0"/>
+              <a:t>: (-CONFIG_NUM_COOP_PRIORITIES) </a:t>
+            </a:r>
+            <a:r>
+              <a:rPr lang="sr-Latn-RS" dirty="0"/>
+              <a:t>d</a:t>
+            </a:r>
+            <a:r>
+              <a:rPr lang="en-US" dirty="0"/>
+              <a:t>o -1</a:t>
+            </a:r>
+            <a:endParaRPr lang="sr-Latn-RS" dirty="0"/>
           </a:p>
           <a:p>
             <a:pPr lvl="1"/>
-            <a:endParaRPr lang="en-US" dirty="0"/>
+            <a:r>
+              <a:rPr lang="en-US" i="1" dirty="0"/>
+              <a:t>preemptive</a:t>
+            </a:r>
+            <a:r>
+              <a:rPr lang="en-US" dirty="0"/>
+              <a:t> </a:t>
+            </a:r>
+            <a:r>
+              <a:rPr lang="sr-Latn-RS" dirty="0"/>
+              <a:t>niti</a:t>
+            </a:r>
+            <a:r>
+              <a:rPr lang="en-US" dirty="0"/>
+              <a:t>: 0 </a:t>
+            </a:r>
+            <a:r>
+              <a:rPr lang="sr-Latn-RS" dirty="0"/>
+              <a:t>d</a:t>
+            </a:r>
+            <a:r>
+              <a:rPr lang="en-US" dirty="0"/>
+              <a:t>o (CONFIG_NUM_PREEMPT_PRIORITIES - 1)</a:t>
+            </a:r>
+            <a:endParaRPr lang="sr-Latn-RS" dirty="0"/>
           </a:p>
         </p:txBody>
       </p:sp>
     </p:spTree>
     <p:extLst>
       <p:ext uri="{BB962C8B-B14F-4D97-AF65-F5344CB8AC3E}">
-        <p14:creationId xmlns:p14="http://schemas.microsoft.com/office/powerpoint/2010/main" val="1751522943"/>
+        <p14:creationId xmlns:p14="http://schemas.microsoft.com/office/powerpoint/2010/main" val="2566071587"/>
       </p:ext>
     </p:extLst>
   </p:cSld>
@@ -3995,7 +3933,7 @@
           <p:cNvPr id="2" name="Title 1">
             <a:extLst>
               <a:ext uri="{FF2B5EF4-FFF2-40B4-BE49-F238E27FC236}">
-                <a16:creationId xmlns:a16="http://schemas.microsoft.com/office/drawing/2014/main" id="{42E548A8-CB89-1536-97B8-1079D9A35C32}"/>
+                <a16:creationId xmlns:a16="http://schemas.microsoft.com/office/drawing/2014/main" id="{3D74CC95-C450-1711-342C-7D20D95896C3}"/>
               </a:ext>
             </a:extLst>
           </p:cNvPr>
@@ -4013,7 +3951,7 @@
           <a:p>
             <a:r>
               <a:rPr lang="sr-Latn-RS" dirty="0"/>
-              <a:t>ZephyrOS – semafori </a:t>
+              <a:t>ZephyrOS – raspoređivanje </a:t>
             </a:r>
             <a:endParaRPr lang="en-US" dirty="0"/>
           </a:p>
@@ -4024,7 +3962,7 @@
           <p:cNvPr id="3" name="Content Placeholder 2">
             <a:extLst>
               <a:ext uri="{FF2B5EF4-FFF2-40B4-BE49-F238E27FC236}">
-                <a16:creationId xmlns:a16="http://schemas.microsoft.com/office/drawing/2014/main" id="{2A128425-7EE4-404E-197E-9B2EBD37F94D}"/>
+                <a16:creationId xmlns:a16="http://schemas.microsoft.com/office/drawing/2014/main" id="{8E954DB1-0AB7-05E3-0909-A41AF541782C}"/>
               </a:ext>
             </a:extLst>
           </p:cNvPr>
@@ -4037,81 +3975,132 @@
         </p:nvSpPr>
         <p:spPr/>
         <p:txBody>
-          <a:bodyPr/>
-          <a:lstStyle/>
-          <a:p>
-            <a:r>
-              <a:rPr lang="sr-Latn-RS" dirty="0"/>
-              <a:t>Semafor predstavlja objekat kernela </a:t>
-            </a:r>
-          </a:p>
-          <a:p>
-            <a:r>
-              <a:rPr lang="sr-Latn-RS" dirty="0"/>
-              <a:t>Broj semafora koji se može definisati je ograničen veličinom memorije</a:t>
-            </a:r>
-          </a:p>
-          <a:p>
-            <a:r>
-              <a:rPr lang="sr-Latn-RS" dirty="0"/>
-              <a:t>Semaforu se pristupa pomoću njegove jedinstvene adrese</a:t>
-            </a:r>
-          </a:p>
-          <a:p>
-            <a:r>
-              <a:rPr lang="sr-Latn-RS" dirty="0"/>
-              <a:t>Sastoji se od 2 svojstva:</a:t>
+          <a:bodyPr>
+            <a:normAutofit lnSpcReduction="10000"/>
+          </a:bodyPr>
+          <a:lstStyle/>
+          <a:p>
+            <a:r>
+              <a:rPr lang="sr-Latn-RS" dirty="0"/>
+              <a:t>Raspoređivanje (engl. </a:t>
+            </a:r>
+            <a:r>
+              <a:rPr lang="sr-Latn-RS" i="1" dirty="0"/>
+              <a:t>scheduling</a:t>
+            </a:r>
+            <a:r>
+              <a:rPr lang="sr-Latn-RS" dirty="0"/>
+              <a:t>) bazirano na prioritetu, između 2 niti istog prioriteta bira se nit koja se duže nalazi u redu čekanja</a:t>
+            </a:r>
+          </a:p>
+          <a:p>
+            <a:r>
+              <a:rPr lang="sr-Latn-RS" dirty="0"/>
+              <a:t>Raspoređivanje na nivou niti</a:t>
+            </a:r>
+          </a:p>
+          <a:p>
+            <a:r>
+              <a:rPr lang="sr-Latn-RS" dirty="0"/>
+              <a:t>Uloga </a:t>
+            </a:r>
+            <a:r>
+              <a:rPr lang="sr-Latn-RS" i="1" dirty="0"/>
+              <a:t>scheduler-a</a:t>
+            </a:r>
+            <a:r>
+              <a:rPr lang="sr-Latn-RS" dirty="0"/>
+              <a:t> da u tačkama raspoređivanja odluči koja nit sledeća treba da se izvršava</a:t>
+            </a:r>
+          </a:p>
+          <a:p>
+            <a:r>
+              <a:rPr lang="sr-Latn-RS" dirty="0"/>
+              <a:t>Tačke raspoređivanje mogu biti:</a:t>
             </a:r>
           </a:p>
           <a:p>
             <a:pPr lvl="1"/>
             <a:r>
+              <a:rPr lang="sr-Latn-RS" dirty="0"/>
+              <a:t>Prelazak niti iz running u waiting stanje kao rezultat poziva </a:t>
+            </a:r>
+            <a:r>
               <a:rPr lang="sr-Latn-RS" i="1" dirty="0"/>
-              <a:t>count</a:t>
-            </a:r>
-            <a:r>
-              <a:rPr lang="sr-Latn-RS" dirty="0"/>
-              <a:t> – specificira trenutni broj niti koji može da pristupi semaforu</a:t>
+              <a:t>k_sem_take </a:t>
+            </a:r>
+            <a:r>
+              <a:rPr lang="sr-Latn-RS" dirty="0"/>
+              <a:t>ili </a:t>
+            </a:r>
+            <a:r>
+              <a:rPr lang="sr-Latn-RS" i="1" dirty="0"/>
+              <a:t>k_sleep </a:t>
+            </a:r>
+            <a:r>
+              <a:rPr lang="sr-Latn-RS" dirty="0"/>
+              <a:t>rutina</a:t>
             </a:r>
           </a:p>
           <a:p>
             <a:pPr lvl="1"/>
             <a:r>
+              <a:rPr lang="sr-Latn-RS" dirty="0"/>
+              <a:t>Prelazak u running stanje zbog </a:t>
+            </a:r>
+            <a:r>
               <a:rPr lang="sr-Latn-RS" i="1" dirty="0"/>
-              <a:t>limit</a:t>
-            </a:r>
-            <a:r>
-              <a:rPr lang="sr-Latn-RS" dirty="0"/>
-              <a:t> – maksimalna vrednost count-a koju semafor može da ima</a:t>
-            </a:r>
-          </a:p>
-          <a:p>
-            <a:r>
-              <a:rPr lang="sr-Latn-RS" dirty="0"/>
-              <a:t>Mogu se izvršiti 2 akcije nad semaforom:</a:t>
+              <a:t>k_sem_give </a:t>
+            </a:r>
+            <a:r>
+              <a:rPr lang="sr-Latn-RS" dirty="0"/>
+              <a:t>ili </a:t>
+            </a:r>
+            <a:r>
+              <a:rPr lang="sr-Latn-RS" i="1" dirty="0"/>
+              <a:t>k_thread_start </a:t>
+            </a:r>
+            <a:r>
+              <a:rPr lang="sr-Latn-RS" dirty="0"/>
+              <a:t>rutina</a:t>
             </a:r>
           </a:p>
           <a:p>
             <a:pPr lvl="1"/>
             <a:r>
+              <a:rPr lang="sr-Latn-RS" dirty="0"/>
+              <a:t>Povratak iz obrade prekidne rutine</a:t>
+            </a:r>
+          </a:p>
+          <a:p>
+            <a:pPr lvl="1"/>
+            <a:r>
+              <a:rPr lang="sr-Latn-RS" dirty="0"/>
+              <a:t>Poziv </a:t>
+            </a:r>
+            <a:r>
               <a:rPr lang="sr-Latn-RS" i="1" dirty="0"/>
-              <a:t>take</a:t>
+              <a:t>yield</a:t>
+            </a:r>
+            <a:r>
+              <a:rPr lang="en-US" dirty="0"/>
+              <a:t> </a:t>
+            </a:r>
+            <a:r>
+              <a:rPr lang="sr-Latn-RS" dirty="0"/>
+              <a:t>rutine</a:t>
             </a:r>
           </a:p>
           <a:p>
             <a:pPr lvl="1"/>
-            <a:r>
-              <a:rPr lang="sr-Latn-RS" i="1" dirty="0"/>
-              <a:t>give</a:t>
-            </a:r>
-            <a:endParaRPr lang="en-US" i="1" dirty="0"/>
+            <a:endParaRPr lang="en-US" dirty="0"/>
           </a:p>
         </p:txBody>
       </p:sp>
     </p:spTree>
     <p:extLst>
       <p:ext uri="{BB962C8B-B14F-4D97-AF65-F5344CB8AC3E}">
-        <p14:creationId xmlns:p14="http://schemas.microsoft.com/office/powerpoint/2010/main" val="2349090623"/>
+        <p14:creationId xmlns:p14="http://schemas.microsoft.com/office/powerpoint/2010/main" val="1751522943"/>
       </p:ext>
     </p:extLst>
   </p:cSld>
@@ -4143,7 +4132,7 @@
           <p:cNvPr id="2" name="Title 1">
             <a:extLst>
               <a:ext uri="{FF2B5EF4-FFF2-40B4-BE49-F238E27FC236}">
-                <a16:creationId xmlns:a16="http://schemas.microsoft.com/office/drawing/2014/main" id="{FD41302C-9B07-BECD-F71E-A46E6A576E65}"/>
+                <a16:creationId xmlns:a16="http://schemas.microsoft.com/office/drawing/2014/main" id="{42E548A8-CB89-1536-97B8-1079D9A35C32}"/>
               </a:ext>
             </a:extLst>
           </p:cNvPr>
@@ -4161,7 +4150,7 @@
           <a:p>
             <a:r>
               <a:rPr lang="sr-Latn-RS" dirty="0"/>
-              <a:t>ZephyrOS – prekidi</a:t>
+              <a:t>ZephyrOS – semafori </a:t>
             </a:r>
             <a:endParaRPr lang="en-US" dirty="0"/>
           </a:p>
@@ -4172,7 +4161,7 @@
           <p:cNvPr id="3" name="Content Placeholder 2">
             <a:extLst>
               <a:ext uri="{FF2B5EF4-FFF2-40B4-BE49-F238E27FC236}">
-                <a16:creationId xmlns:a16="http://schemas.microsoft.com/office/drawing/2014/main" id="{7133C99B-F0DD-1E1E-C36C-E4DF14725416}"/>
+                <a16:creationId xmlns:a16="http://schemas.microsoft.com/office/drawing/2014/main" id="{2A128425-7EE4-404E-197E-9B2EBD37F94D}"/>
               </a:ext>
             </a:extLst>
           </p:cNvPr>
@@ -4190,51 +4179,76 @@
           <a:p>
             <a:r>
               <a:rPr lang="sr-Latn-RS" dirty="0"/>
-              <a:t>Prekid je asinhorni signal kernelu da je došlo do softverskog ili hardverskog zahteva za obradom nekog događaja</a:t>
-            </a:r>
-          </a:p>
-          <a:p>
-            <a:r>
-              <a:rPr lang="sr-Latn-RS" dirty="0"/>
-              <a:t>Prekidna rutina (</a:t>
-            </a:r>
+              <a:t>Semafor predstavlja objekat kernela </a:t>
+            </a:r>
+          </a:p>
+          <a:p>
+            <a:r>
+              <a:rPr lang="sr-Latn-RS" dirty="0"/>
+              <a:t>Broj semafora koji se može definisati je ograničen veličinom memorije</a:t>
+            </a:r>
+          </a:p>
+          <a:p>
+            <a:r>
+              <a:rPr lang="sr-Latn-RS" dirty="0"/>
+              <a:t>Semaforu se pristupa pomoću njegove jedinstvene adrese</a:t>
+            </a:r>
+          </a:p>
+          <a:p>
+            <a:r>
+              <a:rPr lang="sr-Latn-RS" dirty="0"/>
+              <a:t>Sastoji se od 2 svojstva:</a:t>
+            </a:r>
+          </a:p>
+          <a:p>
+            <a:pPr lvl="1"/>
             <a:r>
               <a:rPr lang="sr-Latn-RS" i="1" dirty="0"/>
-              <a:t>Interrupt Service Routine, IRS</a:t>
-            </a:r>
-            <a:r>
-              <a:rPr lang="sr-Latn-RS" dirty="0"/>
-              <a:t>) je asinhrona funkcija koja se izvršava kao odgovor na prekid</a:t>
-            </a:r>
-          </a:p>
-          <a:p>
-            <a:r>
-              <a:rPr lang="sr-Latn-RS" dirty="0"/>
-              <a:t>Kod pojave prekida se zaustavlja izvršenje tekuće niti i prelazi se na izvršenje prekidne rutine</a:t>
-            </a:r>
-          </a:p>
-          <a:p>
-            <a:r>
-              <a:rPr lang="sr-Latn-RS" dirty="0"/>
-              <a:t>Nit nastavlja sa normalnim izvršenjem po završetku obrade prekida</a:t>
-            </a:r>
-          </a:p>
-          <a:p>
-            <a:r>
-              <a:rPr lang="sr-Latn-RS" dirty="0"/>
-              <a:t>Mogućnost sprečavanja prekida prilikom izvršenja kritičnih operacija od strane kernela</a:t>
-            </a:r>
-            <a:endParaRPr lang="en-US" dirty="0"/>
-          </a:p>
-          <a:p>
-            <a:endParaRPr lang="en-US" dirty="0"/>
+              <a:t>count</a:t>
+            </a:r>
+            <a:r>
+              <a:rPr lang="sr-Latn-RS" dirty="0"/>
+              <a:t> – specificira trenutni broj niti koji može da pristupi semaforu</a:t>
+            </a:r>
+          </a:p>
+          <a:p>
+            <a:pPr lvl="1"/>
+            <a:r>
+              <a:rPr lang="sr-Latn-RS" i="1" dirty="0"/>
+              <a:t>limit</a:t>
+            </a:r>
+            <a:r>
+              <a:rPr lang="sr-Latn-RS" dirty="0"/>
+              <a:t> – maksimalna vrednost count-a koju semafor može da ima</a:t>
+            </a:r>
+          </a:p>
+          <a:p>
+            <a:r>
+              <a:rPr lang="sr-Latn-RS" dirty="0"/>
+              <a:t>Mogu se izvršiti 2 akcije nad semaforom:</a:t>
+            </a:r>
+          </a:p>
+          <a:p>
+            <a:pPr lvl="1"/>
+            <a:r>
+              <a:rPr lang="sr-Latn-RS" i="1" dirty="0"/>
+              <a:t>take</a:t>
+            </a:r>
+          </a:p>
+          <a:p>
+            <a:pPr lvl="1"/>
+            <a:r>
+              <a:rPr lang="sr-Latn-RS" i="1" dirty="0"/>
+              <a:t>give</a:t>
+            </a:r>
+            <a:endParaRPr lang="en-US" i="1" dirty="0"/>
           </a:p>
         </p:txBody>
       </p:sp>
     </p:spTree>
     <p:extLst>
       <p:ext uri="{BB962C8B-B14F-4D97-AF65-F5344CB8AC3E}">
-        <p14:creationId xmlns:p14="http://schemas.microsoft.com/office/powerpoint/2010/main" val="935199410"/>
+        <p14:creationId xmlns:p14="http://schemas.microsoft.com/office/powerpoint/2010/main" val="2349090623"/>
       </p:ext>
     </p:extLst>
   </p:cSld>
@@ -4266,7 +4280,7 @@
           <p:cNvPr id="2" name="Title 1">
             <a:extLst>
               <a:ext uri="{FF2B5EF4-FFF2-40B4-BE49-F238E27FC236}">
-                <a16:creationId xmlns:a16="http://schemas.microsoft.com/office/drawing/2014/main" id="{9A1C628A-A24A-0FD9-359F-8D48FEDBA5C6}"/>
+                <a16:creationId xmlns:a16="http://schemas.microsoft.com/office/drawing/2014/main" id="{FD41302C-9B07-BECD-F71E-A46E6A576E65}"/>
               </a:ext>
             </a:extLst>
           </p:cNvPr>
@@ -4295,7 +4309,7 @@
           <p:cNvPr id="3" name="Content Placeholder 2">
             <a:extLst>
               <a:ext uri="{FF2B5EF4-FFF2-40B4-BE49-F238E27FC236}">
-                <a16:creationId xmlns:a16="http://schemas.microsoft.com/office/drawing/2014/main" id="{360F55A9-06D7-AD8E-D728-9A9623F2D0AB}"/>
+                <a16:creationId xmlns:a16="http://schemas.microsoft.com/office/drawing/2014/main" id="{7133C99B-F0DD-1E1E-C36C-E4DF14725416}"/>
               </a:ext>
             </a:extLst>
           </p:cNvPr>
@@ -4308,73 +4322,48 @@
         </p:nvSpPr>
         <p:spPr/>
         <p:txBody>
-          <a:bodyPr>
-            <a:normAutofit lnSpcReduction="10000"/>
-          </a:bodyPr>
-          <a:lstStyle/>
-          <a:p>
-            <a:r>
-              <a:rPr lang="sr-Latn-RS" dirty="0"/>
-              <a:t>Ključna svojstva prekidne rutine:</a:t>
-            </a:r>
-          </a:p>
-          <a:p>
-            <a:pPr lvl="1"/>
-            <a:r>
-              <a:rPr lang="sr-Latn-RS" dirty="0"/>
-              <a:t>IRQ (Interrupt Request) signal koji okida prekidnu rutinu</a:t>
-            </a:r>
-          </a:p>
-          <a:p>
-            <a:pPr lvl="1"/>
-            <a:r>
-              <a:rPr lang="sr-Latn-RS" dirty="0"/>
-              <a:t>Prioritet prekida</a:t>
-            </a:r>
-          </a:p>
-          <a:p>
-            <a:pPr lvl="1"/>
-            <a:r>
-              <a:rPr lang="sr-Latn-RS" dirty="0"/>
-              <a:t>Prekidna rutina</a:t>
-            </a:r>
-          </a:p>
-          <a:p>
-            <a:pPr lvl="1"/>
-            <a:r>
-              <a:rPr lang="sr-Latn-RS" dirty="0"/>
-              <a:t>Argument koji se prosleđuje prekidnoj rutini</a:t>
-            </a:r>
-          </a:p>
-          <a:p>
-            <a:pPr lvl="1"/>
-            <a:endParaRPr lang="sr-Latn-RS" dirty="0"/>
-          </a:p>
-          <a:p>
-            <a:r>
-              <a:rPr lang="sr-Latn-RS" dirty="0"/>
-              <a:t>Tabela vektora mapira prekid sa prekidnom rutinom</a:t>
-            </a:r>
-          </a:p>
-          <a:p>
-            <a:r>
-              <a:rPr lang="sr-Latn-RS" dirty="0"/>
-              <a:t>Prekidna rutina može imati više prekida, dok prekid može imati samo jednu prekidnu rutinu</a:t>
-            </a:r>
-          </a:p>
-          <a:p>
-            <a:r>
-              <a:rPr lang="sr-Latn-RS" dirty="0"/>
-              <a:t>Interrupt nesting </a:t>
-            </a:r>
-            <a:r>
-              <a:rPr lang="en-US" dirty="0"/>
-              <a:t>=</a:t>
-            </a:r>
-            <a:r>
-              <a:rPr lang="sr-Latn-RS" dirty="0"/>
-              <a:t> ugnježdeni prekidi</a:t>
-            </a:r>
+          <a:bodyPr/>
+          <a:lstStyle/>
+          <a:p>
+            <a:r>
+              <a:rPr lang="sr-Latn-RS" dirty="0"/>
+              <a:t>Prekid je asinhorni signal kernelu da je došlo do softverskog ili hardverskog zahteva za obradom nekog događaja</a:t>
+            </a:r>
+          </a:p>
+          <a:p>
+            <a:r>
+              <a:rPr lang="sr-Latn-RS" dirty="0"/>
+              <a:t>Prekidna rutina (</a:t>
+            </a:r>
+            <a:r>
+              <a:rPr lang="sr-Latn-RS" i="1" dirty="0"/>
+              <a:t>Interrupt Service Routine, IRS</a:t>
+            </a:r>
+            <a:r>
+              <a:rPr lang="sr-Latn-RS" dirty="0"/>
+              <a:t>) je asinhrona funkcija koja se izvršava kao odgovor na prekid</a:t>
+            </a:r>
+          </a:p>
+          <a:p>
+            <a:r>
+              <a:rPr lang="sr-Latn-RS" dirty="0"/>
+              <a:t>Kod pojave prekida se zaustavlja izvršenje tekuće niti i prelazi se na izvršenje prekidne rutine</a:t>
+            </a:r>
+          </a:p>
+          <a:p>
+            <a:r>
+              <a:rPr lang="sr-Latn-RS" dirty="0"/>
+              <a:t>Nit nastavlja sa normalnim izvršenjem po završetku obrade prekida</a:t>
+            </a:r>
+          </a:p>
+          <a:p>
+            <a:r>
+              <a:rPr lang="sr-Latn-RS" dirty="0"/>
+              <a:t>Mogućnost sprečavanja prekida prilikom izvršenja kritičnih operacija od strane kernela</a:t>
+            </a:r>
+            <a:endParaRPr lang="en-US" dirty="0"/>
+          </a:p>
+          <a:p>
             <a:endParaRPr lang="en-US" dirty="0"/>
           </a:p>
         </p:txBody>
@@ -4382,7 +4371,7 @@
     </p:spTree>
     <p:extLst>
       <p:ext uri="{BB962C8B-B14F-4D97-AF65-F5344CB8AC3E}">
-        <p14:creationId xmlns:p14="http://schemas.microsoft.com/office/powerpoint/2010/main" val="1088462944"/>
+        <p14:creationId xmlns:p14="http://schemas.microsoft.com/office/powerpoint/2010/main" val="935199410"/>
       </p:ext>
     </p:extLst>
   </p:cSld>
@@ -4414,6 +4403,154 @@
           <p:cNvPr id="2" name="Title 1">
             <a:extLst>
               <a:ext uri="{FF2B5EF4-FFF2-40B4-BE49-F238E27FC236}">
+                <a16:creationId xmlns:a16="http://schemas.microsoft.com/office/drawing/2014/main" id="{9A1C628A-A24A-0FD9-359F-8D48FEDBA5C6}"/>
+              </a:ext>
+            </a:extLst>
+          </p:cNvPr>
+          <p:cNvSpPr>
+            <a:spLocks noGrp="1"/>
+          </p:cNvSpPr>
+          <p:nvPr>
+            <p:ph type="title"/>
+          </p:nvPr>
+        </p:nvSpPr>
+        <p:spPr/>
+        <p:txBody>
+          <a:bodyPr/>
+          <a:lstStyle/>
+          <a:p>
+            <a:r>
+              <a:rPr lang="sr-Latn-RS" dirty="0"/>
+              <a:t>ZephyrOS – prekidi</a:t>
+            </a:r>
+            <a:endParaRPr lang="en-US" dirty="0"/>
+          </a:p>
+        </p:txBody>
+      </p:sp>
+      <p:sp>
+        <p:nvSpPr>
+          <p:cNvPr id="3" name="Content Placeholder 2">
+            <a:extLst>
+              <a:ext uri="{FF2B5EF4-FFF2-40B4-BE49-F238E27FC236}">
+                <a16:creationId xmlns:a16="http://schemas.microsoft.com/office/drawing/2014/main" id="{360F55A9-06D7-AD8E-D728-9A9623F2D0AB}"/>
+              </a:ext>
+            </a:extLst>
+          </p:cNvPr>
+          <p:cNvSpPr>
+            <a:spLocks noGrp="1"/>
+          </p:cNvSpPr>
+          <p:nvPr>
+            <p:ph idx="1"/>
+          </p:nvPr>
+        </p:nvSpPr>
+        <p:spPr/>
+        <p:txBody>
+          <a:bodyPr>
+            <a:normAutofit lnSpcReduction="10000"/>
+          </a:bodyPr>
+          <a:lstStyle/>
+          <a:p>
+            <a:r>
+              <a:rPr lang="sr-Latn-RS" dirty="0"/>
+              <a:t>Ključna svojstva prekidne rutine:</a:t>
+            </a:r>
+          </a:p>
+          <a:p>
+            <a:pPr lvl="1"/>
+            <a:r>
+              <a:rPr lang="sr-Latn-RS" dirty="0"/>
+              <a:t>IRQ (Interrupt Request) signal koji okida prekidnu rutinu</a:t>
+            </a:r>
+          </a:p>
+          <a:p>
+            <a:pPr lvl="1"/>
+            <a:r>
+              <a:rPr lang="sr-Latn-RS" dirty="0"/>
+              <a:t>Prioritet prekida</a:t>
+            </a:r>
+          </a:p>
+          <a:p>
+            <a:pPr lvl="1"/>
+            <a:r>
+              <a:rPr lang="sr-Latn-RS" dirty="0"/>
+              <a:t>Prekidna rutina</a:t>
+            </a:r>
+          </a:p>
+          <a:p>
+            <a:pPr lvl="1"/>
+            <a:r>
+              <a:rPr lang="sr-Latn-RS" dirty="0"/>
+              <a:t>Argument koji se prosleđuje prekidnoj rutini</a:t>
+            </a:r>
+          </a:p>
+          <a:p>
+            <a:pPr lvl="1"/>
+            <a:endParaRPr lang="sr-Latn-RS" dirty="0"/>
+          </a:p>
+          <a:p>
+            <a:r>
+              <a:rPr lang="sr-Latn-RS" dirty="0"/>
+              <a:t>Tabela vektora mapira prekid sa prekidnom rutinom</a:t>
+            </a:r>
+          </a:p>
+          <a:p>
+            <a:r>
+              <a:rPr lang="sr-Latn-RS" dirty="0"/>
+              <a:t>Prekidna rutina može imati više prekida, dok prekid može imati samo jednu prekidnu rutinu</a:t>
+            </a:r>
+          </a:p>
+          <a:p>
+            <a:r>
+              <a:rPr lang="sr-Latn-RS" dirty="0"/>
+              <a:t>Interrupt nesting </a:t>
+            </a:r>
+            <a:r>
+              <a:rPr lang="en-US" dirty="0"/>
+              <a:t>=</a:t>
+            </a:r>
+            <a:r>
+              <a:rPr lang="sr-Latn-RS" dirty="0"/>
+              <a:t> ugnježdeni prekidi</a:t>
+            </a:r>
+            <a:endParaRPr lang="en-US" dirty="0"/>
+          </a:p>
+        </p:txBody>
+      </p:sp>
+    </p:spTree>
+    <p:extLst>
+      <p:ext uri="{BB962C8B-B14F-4D97-AF65-F5344CB8AC3E}">
+        <p14:creationId xmlns:p14="http://schemas.microsoft.com/office/powerpoint/2010/main" val="1088462944"/>
+      </p:ext>
+    </p:extLst>
+  </p:cSld>
+  <p:clrMapOvr>
+    <a:masterClrMapping/>
+  </p:clrMapOvr>
+</p:sld>
+</file>
+
+<file path=ppt/slides/slide17.xml><?xml version="1.0" encoding="utf-8"?>
+<p:sld xmlns:a="http://schemas.openxmlformats.org/drawingml/2006/main" xmlns:r="http://schemas.openxmlformats.org/officeDocument/2006/relationships" xmlns:p="http://schemas.openxmlformats.org/presentationml/2006/main">
+  <p:cSld>
+    <p:spTree>
+      <p:nvGrpSpPr>
+        <p:cNvPr id="1" name=""/>
+        <p:cNvGrpSpPr/>
+        <p:nvPr/>
+      </p:nvGrpSpPr>
+      <p:grpSpPr>
+        <a:xfrm>
+          <a:off x="0" y="0"/>
+          <a:ext cx="0" cy="0"/>
+          <a:chOff x="0" y="0"/>
+          <a:chExt cx="0" cy="0"/>
+        </a:xfrm>
+      </p:grpSpPr>
+      <p:sp>
+        <p:nvSpPr>
+          <p:cNvPr id="2" name="Title 1">
+            <a:extLst>
+              <a:ext uri="{FF2B5EF4-FFF2-40B4-BE49-F238E27FC236}">
                 <a16:creationId xmlns:a16="http://schemas.microsoft.com/office/drawing/2014/main" id="{84280F33-069F-05EF-5881-CA1CB9A3191A}"/>
               </a:ext>
             </a:extLst>
@@ -4523,7 +4660,7 @@
 </p:sld>
 </file>
 
-<file path=ppt/slides/slide17.xml><?xml version="1.0" encoding="utf-8"?>
+<file path=ppt/slides/slide18.xml><?xml version="1.0" encoding="utf-8"?>
 <p:sld xmlns:a="http://schemas.openxmlformats.org/drawingml/2006/main" xmlns:r="http://schemas.openxmlformats.org/officeDocument/2006/relationships" xmlns:p="http://schemas.openxmlformats.org/presentationml/2006/main">
   <p:cSld>
     <p:spTree>
@@ -4649,7 +4786,7 @@
 </p:sld>
 </file>
 
-<file path=ppt/slides/slide18.xml><?xml version="1.0" encoding="utf-8"?>
+<file path=ppt/slides/slide19.xml><?xml version="1.0" encoding="utf-8"?>
 <p:sld xmlns:a="http://schemas.openxmlformats.org/drawingml/2006/main" xmlns:r="http://schemas.openxmlformats.org/officeDocument/2006/relationships" xmlns:p="http://schemas.openxmlformats.org/presentationml/2006/main">
   <p:cSld>
     <p:spTree>
@@ -4770,7 +4907,111 @@
 </p:sld>
 </file>
 
-<file path=ppt/slides/slide19.xml><?xml version="1.0" encoding="utf-8"?>
+<file path=ppt/slides/slide2.xml><?xml version="1.0" encoding="utf-8"?>
+<p:sld xmlns:a="http://schemas.openxmlformats.org/drawingml/2006/main" xmlns:r="http://schemas.openxmlformats.org/officeDocument/2006/relationships" xmlns:p="http://schemas.openxmlformats.org/presentationml/2006/main">
+  <p:cSld>
+    <p:spTree>
+      <p:nvGrpSpPr>
+        <p:cNvPr id="1" name=""/>
+        <p:cNvGrpSpPr/>
+        <p:nvPr/>
+      </p:nvGrpSpPr>
+      <p:grpSpPr>
+        <a:xfrm>
+          <a:off x="0" y="0"/>
+          <a:ext cx="0" cy="0"/>
+          <a:chOff x="0" y="0"/>
+          <a:chExt cx="0" cy="0"/>
+        </a:xfrm>
+      </p:grpSpPr>
+      <p:sp>
+        <p:nvSpPr>
+          <p:cNvPr id="2" name="Title 1">
+            <a:extLst>
+              <a:ext uri="{FF2B5EF4-FFF2-40B4-BE49-F238E27FC236}">
+                <a16:creationId xmlns:a16="http://schemas.microsoft.com/office/drawing/2014/main" id="{335DAB60-AF23-5EED-0E91-E7D6D76782FB}"/>
+              </a:ext>
+            </a:extLst>
+          </p:cNvPr>
+          <p:cNvSpPr>
+            <a:spLocks noGrp="1"/>
+          </p:cNvSpPr>
+          <p:nvPr>
+            <p:ph type="title"/>
+          </p:nvPr>
+        </p:nvSpPr>
+        <p:spPr/>
+        <p:txBody>
+          <a:bodyPr/>
+          <a:lstStyle/>
+          <a:p>
+            <a:r>
+              <a:rPr lang="sr-Latn-RS" dirty="0"/>
+              <a:t>ZephyrOS</a:t>
+            </a:r>
+            <a:endParaRPr lang="en-US" dirty="0"/>
+          </a:p>
+        </p:txBody>
+      </p:sp>
+      <p:sp>
+        <p:nvSpPr>
+          <p:cNvPr id="3" name="Content Placeholder 2">
+            <a:extLst>
+              <a:ext uri="{FF2B5EF4-FFF2-40B4-BE49-F238E27FC236}">
+                <a16:creationId xmlns:a16="http://schemas.microsoft.com/office/drawing/2014/main" id="{28AD5EB6-6929-8B13-2AA1-E39492842AEE}"/>
+              </a:ext>
+            </a:extLst>
+          </p:cNvPr>
+          <p:cNvSpPr>
+            <a:spLocks noGrp="1"/>
+          </p:cNvSpPr>
+          <p:nvPr>
+            <p:ph idx="1"/>
+          </p:nvPr>
+        </p:nvSpPr>
+        <p:spPr/>
+        <p:txBody>
+          <a:bodyPr/>
+          <a:lstStyle/>
+          <a:p>
+            <a:r>
+              <a:rPr lang="sr-Latn-RS" dirty="0"/>
+              <a:t>ZephyrOS je </a:t>
+            </a:r>
+            <a:r>
+              <a:rPr lang="en-US" dirty="0"/>
+              <a:t>tip Real Time </a:t>
+            </a:r>
+            <a:r>
+              <a:rPr lang="sr-Latn-RS" dirty="0"/>
+              <a:t>operativnog sistema koji koriste embedded uređaji (mikrokontroleri, pametni satovi, IoT uređaji...). </a:t>
+            </a:r>
+          </a:p>
+          <a:p>
+            <a:r>
+              <a:rPr lang="sr-Latn-RS" dirty="0"/>
+              <a:t>Akcije koje preduzimaju mikrokontroleri moraju biti izvršene u realnom vremenu sa minimalnim kašnjenjem (red veličine milisekunde, nekada i mikrosekunde), jer bi prolongiranje tih akcija moglo da dovede okruženje u opasnost.</a:t>
+            </a:r>
+          </a:p>
+          <a:p>
+            <a:endParaRPr lang="sr-Latn-RS" dirty="0"/>
+          </a:p>
+        </p:txBody>
+      </p:sp>
+    </p:spTree>
+    <p:extLst>
+      <p:ext uri="{BB962C8B-B14F-4D97-AF65-F5344CB8AC3E}">
+        <p14:creationId xmlns:p14="http://schemas.microsoft.com/office/powerpoint/2010/main" val="2716321463"/>
+      </p:ext>
+    </p:extLst>
+  </p:cSld>
+  <p:clrMapOvr>
+    <a:masterClrMapping/>
+  </p:clrMapOvr>
+</p:sld>
+</file>
+
+<file path=ppt/slides/slide20.xml><?xml version="1.0" encoding="utf-8"?>
 <p:sld xmlns:a="http://schemas.openxmlformats.org/drawingml/2006/main" xmlns:r="http://schemas.openxmlformats.org/officeDocument/2006/relationships" xmlns:p="http://schemas.openxmlformats.org/presentationml/2006/main">
   <p:cSld>
     <p:spTree>
@@ -4858,111 +5099,7 @@
 </p:sld>
 </file>
 
-<file path=ppt/slides/slide2.xml><?xml version="1.0" encoding="utf-8"?>
-<p:sld xmlns:a="http://schemas.openxmlformats.org/drawingml/2006/main" xmlns:r="http://schemas.openxmlformats.org/officeDocument/2006/relationships" xmlns:p="http://schemas.openxmlformats.org/presentationml/2006/main">
-  <p:cSld>
-    <p:spTree>
-      <p:nvGrpSpPr>
-        <p:cNvPr id="1" name=""/>
-        <p:cNvGrpSpPr/>
-        <p:nvPr/>
-      </p:nvGrpSpPr>
-      <p:grpSpPr>
-        <a:xfrm>
-          <a:off x="0" y="0"/>
-          <a:ext cx="0" cy="0"/>
-          <a:chOff x="0" y="0"/>
-          <a:chExt cx="0" cy="0"/>
-        </a:xfrm>
-      </p:grpSpPr>
-      <p:sp>
-        <p:nvSpPr>
-          <p:cNvPr id="2" name="Title 1">
-            <a:extLst>
-              <a:ext uri="{FF2B5EF4-FFF2-40B4-BE49-F238E27FC236}">
-                <a16:creationId xmlns:a16="http://schemas.microsoft.com/office/drawing/2014/main" id="{335DAB60-AF23-5EED-0E91-E7D6D76782FB}"/>
-              </a:ext>
-            </a:extLst>
-          </p:cNvPr>
-          <p:cNvSpPr>
-            <a:spLocks noGrp="1"/>
-          </p:cNvSpPr>
-          <p:nvPr>
-            <p:ph type="title"/>
-          </p:nvPr>
-        </p:nvSpPr>
-        <p:spPr/>
-        <p:txBody>
-          <a:bodyPr/>
-          <a:lstStyle/>
-          <a:p>
-            <a:r>
-              <a:rPr lang="sr-Latn-RS" dirty="0"/>
-              <a:t>ZephyrOS</a:t>
-            </a:r>
-            <a:endParaRPr lang="en-US" dirty="0"/>
-          </a:p>
-        </p:txBody>
-      </p:sp>
-      <p:sp>
-        <p:nvSpPr>
-          <p:cNvPr id="3" name="Content Placeholder 2">
-            <a:extLst>
-              <a:ext uri="{FF2B5EF4-FFF2-40B4-BE49-F238E27FC236}">
-                <a16:creationId xmlns:a16="http://schemas.microsoft.com/office/drawing/2014/main" id="{28AD5EB6-6929-8B13-2AA1-E39492842AEE}"/>
-              </a:ext>
-            </a:extLst>
-          </p:cNvPr>
-          <p:cNvSpPr>
-            <a:spLocks noGrp="1"/>
-          </p:cNvSpPr>
-          <p:nvPr>
-            <p:ph idx="1"/>
-          </p:nvPr>
-        </p:nvSpPr>
-        <p:spPr/>
-        <p:txBody>
-          <a:bodyPr/>
-          <a:lstStyle/>
-          <a:p>
-            <a:r>
-              <a:rPr lang="sr-Latn-RS" dirty="0"/>
-              <a:t>ZephyrOS je </a:t>
-            </a:r>
-            <a:r>
-              <a:rPr lang="en-US" dirty="0"/>
-              <a:t>tip Real Time </a:t>
-            </a:r>
-            <a:r>
-              <a:rPr lang="sr-Latn-RS" dirty="0"/>
-              <a:t>operativnog sistema koji koriste embedded uređaji (mikrokontroleri, pametni satovi, IoT uređaji...). </a:t>
-            </a:r>
-          </a:p>
-          <a:p>
-            <a:r>
-              <a:rPr lang="sr-Latn-RS" dirty="0"/>
-              <a:t>Akcije koje preduzimaju mikrokontroleri moraju biti izvršene u realnom vremenu sa minimalnim kašnjenjem (red veličine milisekunde, nekada i mikrosekunde), jer bi prolongiranje tih akcija moglo da dovede okruženje u opasnost.</a:t>
-            </a:r>
-          </a:p>
-          <a:p>
-            <a:endParaRPr lang="sr-Latn-RS" dirty="0"/>
-          </a:p>
-        </p:txBody>
-      </p:sp>
-    </p:spTree>
-    <p:extLst>
-      <p:ext uri="{BB962C8B-B14F-4D97-AF65-F5344CB8AC3E}">
-        <p14:creationId xmlns:p14="http://schemas.microsoft.com/office/powerpoint/2010/main" val="2716321463"/>
-      </p:ext>
-    </p:extLst>
-  </p:cSld>
-  <p:clrMapOvr>
-    <a:masterClrMapping/>
-  </p:clrMapOvr>
-</p:sld>
-</file>
-
-<file path=ppt/slides/slide20.xml><?xml version="1.0" encoding="utf-8"?>
+<file path=ppt/slides/slide21.xml><?xml version="1.0" encoding="utf-8"?>
 <p:sld xmlns:a="http://schemas.openxmlformats.org/drawingml/2006/main" xmlns:r="http://schemas.openxmlformats.org/officeDocument/2006/relationships" xmlns:p="http://schemas.openxmlformats.org/presentationml/2006/main">
   <p:cSld>
     <p:spTree>
@@ -5080,7 +5217,7 @@
 </p:sld>
 </file>
 
-<file path=ppt/slides/slide21.xml><?xml version="1.0" encoding="utf-8"?>
+<file path=ppt/slides/slide22.xml><?xml version="1.0" encoding="utf-8"?>
 <p:sld xmlns:a="http://schemas.openxmlformats.org/drawingml/2006/main" xmlns:r="http://schemas.openxmlformats.org/officeDocument/2006/relationships" xmlns:p="http://schemas.openxmlformats.org/presentationml/2006/main">
   <p:cSld>
     <p:spTree>
@@ -5226,7 +5363,7 @@
 </p:sld>
 </file>
 
-<file path=ppt/slides/slide22.xml><?xml version="1.0" encoding="utf-8"?>
+<file path=ppt/slides/slide23.xml><?xml version="1.0" encoding="utf-8"?>
 <p:sld xmlns:a="http://schemas.openxmlformats.org/drawingml/2006/main" xmlns:r="http://schemas.openxmlformats.org/officeDocument/2006/relationships" xmlns:p="http://schemas.openxmlformats.org/presentationml/2006/main">
   <p:cSld>
     <p:spTree>
@@ -5415,7 +5552,7 @@
 </p:sld>
 </file>
 
-<file path=ppt/slides/slide23.xml><?xml version="1.0" encoding="utf-8"?>
+<file path=ppt/slides/slide24.xml><?xml version="1.0" encoding="utf-8"?>
 <p:sld xmlns:a="http://schemas.openxmlformats.org/drawingml/2006/main" xmlns:r="http://schemas.openxmlformats.org/officeDocument/2006/relationships" xmlns:p="http://schemas.openxmlformats.org/presentationml/2006/main">
   <p:cSld>
     <p:spTree>
@@ -5551,7 +5688,7 @@
 </p:sld>
 </file>
 
-<file path=ppt/slides/slide24.xml><?xml version="1.0" encoding="utf-8"?>
+<file path=ppt/slides/slide25.xml><?xml version="1.0" encoding="utf-8"?>
 <p:sld xmlns:a="http://schemas.openxmlformats.org/drawingml/2006/main" xmlns:r="http://schemas.openxmlformats.org/officeDocument/2006/relationships" xmlns:p="http://schemas.openxmlformats.org/presentationml/2006/main">
   <p:cSld>
     <p:spTree>
@@ -5681,7 +5818,7 @@
 </p:sld>
 </file>
 
-<file path=ppt/slides/slide25.xml><?xml version="1.0" encoding="utf-8"?>
+<file path=ppt/slides/slide26.xml><?xml version="1.0" encoding="utf-8"?>
 <p:sld xmlns:a="http://schemas.openxmlformats.org/drawingml/2006/main" xmlns:r="http://schemas.openxmlformats.org/officeDocument/2006/relationships" xmlns:p="http://schemas.openxmlformats.org/presentationml/2006/main">
   <p:cSld>
     <p:spTree>
@@ -5825,7 +5962,7 @@
 </p:sld>
 </file>
 
-<file path=ppt/slides/slide26.xml><?xml version="1.0" encoding="utf-8"?>
+<file path=ppt/slides/slide27.xml><?xml version="1.0" encoding="utf-8"?>
 <p:sld xmlns:a="http://schemas.openxmlformats.org/drawingml/2006/main" xmlns:r="http://schemas.openxmlformats.org/officeDocument/2006/relationships" xmlns:p="http://schemas.openxmlformats.org/presentationml/2006/main">
   <p:cSld>
     <p:spTree>
@@ -5951,7 +6088,7 @@
 </p:sld>
 </file>
 
-<file path=ppt/slides/slide27.xml><?xml version="1.0" encoding="utf-8"?>
+<file path=ppt/slides/slide28.xml><?xml version="1.0" encoding="utf-8"?>
 <p:sld xmlns:a="http://schemas.openxmlformats.org/drawingml/2006/main" xmlns:r="http://schemas.openxmlformats.org/officeDocument/2006/relationships" xmlns:p="http://schemas.openxmlformats.org/presentationml/2006/main">
   <p:cSld>
     <p:spTree>
@@ -6069,7 +6206,7 @@
 </p:sld>
 </file>
 
-<file path=ppt/slides/slide28.xml><?xml version="1.0" encoding="utf-8"?>
+<file path=ppt/slides/slide29.xml><?xml version="1.0" encoding="utf-8"?>
 <p:sld xmlns:a="http://schemas.openxmlformats.org/drawingml/2006/main" xmlns:r="http://schemas.openxmlformats.org/officeDocument/2006/relationships" xmlns:p="http://schemas.openxmlformats.org/presentationml/2006/main">
   <p:cSld>
     <p:spTree>
@@ -6195,117 +6332,6 @@
 </p:sld>
 </file>
 
-<file path=ppt/slides/slide29.xml><?xml version="1.0" encoding="utf-8"?>
-<p:sld xmlns:a="http://schemas.openxmlformats.org/drawingml/2006/main" xmlns:r="http://schemas.openxmlformats.org/officeDocument/2006/relationships" xmlns:p="http://schemas.openxmlformats.org/presentationml/2006/main">
-  <p:cSld>
-    <p:spTree>
-      <p:nvGrpSpPr>
-        <p:cNvPr id="1" name=""/>
-        <p:cNvGrpSpPr/>
-        <p:nvPr/>
-      </p:nvGrpSpPr>
-      <p:grpSpPr>
-        <a:xfrm>
-          <a:off x="0" y="0"/>
-          <a:ext cx="0" cy="0"/>
-          <a:chOff x="0" y="0"/>
-          <a:chExt cx="0" cy="0"/>
-        </a:xfrm>
-      </p:grpSpPr>
-      <p:sp>
-        <p:nvSpPr>
-          <p:cNvPr id="2" name="Title 1">
-            <a:extLst>
-              <a:ext uri="{FF2B5EF4-FFF2-40B4-BE49-F238E27FC236}">
-                <a16:creationId xmlns:a16="http://schemas.microsoft.com/office/drawing/2014/main" id="{8624581E-9A3D-F609-9354-403C77F60670}"/>
-              </a:ext>
-            </a:extLst>
-          </p:cNvPr>
-          <p:cNvSpPr>
-            <a:spLocks noGrp="1"/>
-          </p:cNvSpPr>
-          <p:nvPr>
-            <p:ph type="title"/>
-          </p:nvPr>
-        </p:nvSpPr>
-        <p:spPr/>
-        <p:txBody>
-          <a:bodyPr/>
-          <a:lstStyle/>
-          <a:p>
-            <a:r>
-              <a:rPr lang="sr-Latn-RS" dirty="0"/>
-              <a:t>RobotO</a:t>
-            </a:r>
-            <a:r>
-              <a:rPr lang="en-US" dirty="0"/>
-              <a:t>S</a:t>
-            </a:r>
-          </a:p>
-        </p:txBody>
-      </p:sp>
-      <p:sp>
-        <p:nvSpPr>
-          <p:cNvPr id="3" name="Content Placeholder 2">
-            <a:extLst>
-              <a:ext uri="{FF2B5EF4-FFF2-40B4-BE49-F238E27FC236}">
-                <a16:creationId xmlns:a16="http://schemas.microsoft.com/office/drawing/2014/main" id="{83884FD4-CD01-8FA8-34B6-08676F543A7B}"/>
-              </a:ext>
-            </a:extLst>
-          </p:cNvPr>
-          <p:cNvSpPr>
-            <a:spLocks noGrp="1"/>
-          </p:cNvSpPr>
-          <p:nvPr>
-            <p:ph idx="1"/>
-          </p:nvPr>
-        </p:nvSpPr>
-        <p:spPr/>
-        <p:txBody>
-          <a:bodyPr/>
-          <a:lstStyle/>
-          <a:p>
-            <a:r>
-              <a:rPr lang="sr-Latn-RS" dirty="0"/>
-              <a:t>Namenjen za razvoj softvera za upravljanje robotima</a:t>
-            </a:r>
-          </a:p>
-          <a:p>
-            <a:r>
-              <a:rPr lang="sr-Latn-RS" dirty="0"/>
-              <a:t>Operativni sistem otvorenog koda</a:t>
-            </a:r>
-          </a:p>
-          <a:p>
-            <a:r>
-              <a:rPr lang="sr-Latn-RS" dirty="0"/>
-              <a:t>Aktuelna verzija je 2, koja ima za cilj da zadrži dobre stvari i upotpuni nedostatke verzije 1</a:t>
-            </a:r>
-          </a:p>
-          <a:p>
-            <a:r>
-              <a:rPr lang="sr-Latn-RS" dirty="0"/>
-              <a:t>Podrška od strane ROS-a za razvoj aplikacija na Python i C++ programskim jezicima, dok zajednica piše dodatne kljientske biblioteke za razvoj aplikacija programskim jezicima Java, C#, Swift, JS, Rust...</a:t>
-            </a:r>
-          </a:p>
-          <a:p>
-            <a:endParaRPr lang="en-US" dirty="0"/>
-          </a:p>
-        </p:txBody>
-      </p:sp>
-    </p:spTree>
-    <p:extLst>
-      <p:ext uri="{BB962C8B-B14F-4D97-AF65-F5344CB8AC3E}">
-        <p14:creationId xmlns:p14="http://schemas.microsoft.com/office/powerpoint/2010/main" val="828550064"/>
-      </p:ext>
-    </p:extLst>
-  </p:cSld>
-  <p:clrMapOvr>
-    <a:masterClrMapping/>
-  </p:clrMapOvr>
-</p:sld>
-</file>
-
 <file path=ppt/slides/slide3.xml><?xml version="1.0" encoding="utf-8"?>
 <p:sld xmlns:a="http://schemas.openxmlformats.org/drawingml/2006/main" xmlns:r="http://schemas.openxmlformats.org/officeDocument/2006/relationships" xmlns:p="http://schemas.openxmlformats.org/presentationml/2006/main">
   <p:cSld>
@@ -6421,6 +6447,117 @@
 </file>
 
 <file path=ppt/slides/slide30.xml><?xml version="1.0" encoding="utf-8"?>
+<p:sld xmlns:a="http://schemas.openxmlformats.org/drawingml/2006/main" xmlns:r="http://schemas.openxmlformats.org/officeDocument/2006/relationships" xmlns:p="http://schemas.openxmlformats.org/presentationml/2006/main">
+  <p:cSld>
+    <p:spTree>
+      <p:nvGrpSpPr>
+        <p:cNvPr id="1" name=""/>
+        <p:cNvGrpSpPr/>
+        <p:nvPr/>
+      </p:nvGrpSpPr>
+      <p:grpSpPr>
+        <a:xfrm>
+          <a:off x="0" y="0"/>
+          <a:ext cx="0" cy="0"/>
+          <a:chOff x="0" y="0"/>
+          <a:chExt cx="0" cy="0"/>
+        </a:xfrm>
+      </p:grpSpPr>
+      <p:sp>
+        <p:nvSpPr>
+          <p:cNvPr id="2" name="Title 1">
+            <a:extLst>
+              <a:ext uri="{FF2B5EF4-FFF2-40B4-BE49-F238E27FC236}">
+                <a16:creationId xmlns:a16="http://schemas.microsoft.com/office/drawing/2014/main" id="{8624581E-9A3D-F609-9354-403C77F60670}"/>
+              </a:ext>
+            </a:extLst>
+          </p:cNvPr>
+          <p:cNvSpPr>
+            <a:spLocks noGrp="1"/>
+          </p:cNvSpPr>
+          <p:nvPr>
+            <p:ph type="title"/>
+          </p:nvPr>
+        </p:nvSpPr>
+        <p:spPr/>
+        <p:txBody>
+          <a:bodyPr/>
+          <a:lstStyle/>
+          <a:p>
+            <a:r>
+              <a:rPr lang="sr-Latn-RS" dirty="0"/>
+              <a:t>RobotO</a:t>
+            </a:r>
+            <a:r>
+              <a:rPr lang="en-US" dirty="0"/>
+              <a:t>S</a:t>
+            </a:r>
+          </a:p>
+        </p:txBody>
+      </p:sp>
+      <p:sp>
+        <p:nvSpPr>
+          <p:cNvPr id="3" name="Content Placeholder 2">
+            <a:extLst>
+              <a:ext uri="{FF2B5EF4-FFF2-40B4-BE49-F238E27FC236}">
+                <a16:creationId xmlns:a16="http://schemas.microsoft.com/office/drawing/2014/main" id="{83884FD4-CD01-8FA8-34B6-08676F543A7B}"/>
+              </a:ext>
+            </a:extLst>
+          </p:cNvPr>
+          <p:cNvSpPr>
+            <a:spLocks noGrp="1"/>
+          </p:cNvSpPr>
+          <p:nvPr>
+            <p:ph idx="1"/>
+          </p:nvPr>
+        </p:nvSpPr>
+        <p:spPr/>
+        <p:txBody>
+          <a:bodyPr/>
+          <a:lstStyle/>
+          <a:p>
+            <a:r>
+              <a:rPr lang="sr-Latn-RS" dirty="0"/>
+              <a:t>Namenjen za razvoj softvera za upravljanje robotima</a:t>
+            </a:r>
+          </a:p>
+          <a:p>
+            <a:r>
+              <a:rPr lang="sr-Latn-RS" dirty="0"/>
+              <a:t>Operativni sistem otvorenog koda</a:t>
+            </a:r>
+          </a:p>
+          <a:p>
+            <a:r>
+              <a:rPr lang="sr-Latn-RS" dirty="0"/>
+              <a:t>Aktuelna verzija je 2, koja ima za cilj da zadrži dobre stvari i upotpuni nedostatke verzije 1</a:t>
+            </a:r>
+          </a:p>
+          <a:p>
+            <a:r>
+              <a:rPr lang="sr-Latn-RS" dirty="0"/>
+              <a:t>Podrška od strane ROS-a za razvoj aplikacija na Python i C++ programskim jezicima, dok zajednica piše dodatne kljientske biblioteke za razvoj aplikacija programskim jezicima Java, C#, Swift, JS, Rust...</a:t>
+            </a:r>
+          </a:p>
+          <a:p>
+            <a:endParaRPr lang="en-US" dirty="0"/>
+          </a:p>
+        </p:txBody>
+      </p:sp>
+    </p:spTree>
+    <p:extLst>
+      <p:ext uri="{BB962C8B-B14F-4D97-AF65-F5344CB8AC3E}">
+        <p14:creationId xmlns:p14="http://schemas.microsoft.com/office/powerpoint/2010/main" val="828550064"/>
+      </p:ext>
+    </p:extLst>
+  </p:cSld>
+  <p:clrMapOvr>
+    <a:masterClrMapping/>
+  </p:clrMapOvr>
+</p:sld>
+</file>
+
+<file path=ppt/slides/slide31.xml><?xml version="1.0" encoding="utf-8"?>
 <p:sld xmlns:a="http://schemas.openxmlformats.org/drawingml/2006/main" xmlns:r="http://schemas.openxmlformats.org/officeDocument/2006/relationships" xmlns:p="http://schemas.openxmlformats.org/presentationml/2006/main">
   <p:cSld>
     <p:spTree>
@@ -6576,7 +6713,7 @@
 </p:sld>
 </file>
 
-<file path=ppt/slides/slide31.xml><?xml version="1.0" encoding="utf-8"?>
+<file path=ppt/slides/slide32.xml><?xml version="1.0" encoding="utf-8"?>
 <p:sld xmlns:a="http://schemas.openxmlformats.org/drawingml/2006/main" xmlns:r="http://schemas.openxmlformats.org/officeDocument/2006/relationships" xmlns:p="http://schemas.openxmlformats.org/presentationml/2006/main">
   <p:cSld>
     <p:spTree>
@@ -6700,7 +6837,7 @@
 </p:sld>
 </file>
 
-<file path=ppt/slides/slide32.xml><?xml version="1.0" encoding="utf-8"?>
+<file path=ppt/slides/slide33.xml><?xml version="1.0" encoding="utf-8"?>
 <p:sld xmlns:a="http://schemas.openxmlformats.org/drawingml/2006/main" xmlns:r="http://schemas.openxmlformats.org/officeDocument/2006/relationships" xmlns:p="http://schemas.openxmlformats.org/presentationml/2006/main">
   <p:cSld>
     <p:spTree>
@@ -6807,7 +6944,7 @@
 </p:sld>
 </file>
 
-<file path=ppt/slides/slide33.xml><?xml version="1.0" encoding="utf-8"?>
+<file path=ppt/slides/slide34.xml><?xml version="1.0" encoding="utf-8"?>
 <p:sld xmlns:a="http://schemas.openxmlformats.org/drawingml/2006/main" xmlns:r="http://schemas.openxmlformats.org/officeDocument/2006/relationships" xmlns:p="http://schemas.openxmlformats.org/presentationml/2006/main">
   <p:cSld>
     <p:spTree>
@@ -6895,7 +7032,7 @@
 </p:sld>
 </file>
 
-<file path=ppt/slides/slide34.xml><?xml version="1.0" encoding="utf-8"?>
+<file path=ppt/slides/slide35.xml><?xml version="1.0" encoding="utf-8"?>
 <p:sld xmlns:a="http://schemas.openxmlformats.org/drawingml/2006/main" xmlns:r="http://schemas.openxmlformats.org/officeDocument/2006/relationships" xmlns:p="http://schemas.openxmlformats.org/presentationml/2006/main">
   <p:cSld>
     <p:spTree>
@@ -7084,7 +7221,7 @@
           <p:cNvPr id="2" name="Title 1">
             <a:extLst>
               <a:ext uri="{FF2B5EF4-FFF2-40B4-BE49-F238E27FC236}">
-                <a16:creationId xmlns:a16="http://schemas.microsoft.com/office/drawing/2014/main" id="{6A41884B-C40A-3397-FF58-AAB94FC866AF}"/>
+                <a16:creationId xmlns:a16="http://schemas.microsoft.com/office/drawing/2014/main" id="{F719310C-52E8-F207-F198-FCEA993FF156}"/>
               </a:ext>
             </a:extLst>
           </p:cNvPr>
@@ -7095,65 +7232,63 @@
             <p:ph type="title"/>
           </p:nvPr>
         </p:nvSpPr>
-        <p:spPr/>
-        <p:txBody>
-          <a:bodyPr/>
-          <a:lstStyle/>
-          <a:p>
-            <a:r>
-              <a:rPr lang="sr-Latn-RS" dirty="0"/>
-              <a:t>ZephyrOS – kernel </a:t>
-            </a:r>
-            <a:endParaRPr lang="en-US" dirty="0"/>
-          </a:p>
-        </p:txBody>
-      </p:sp>
-      <p:sp>
-        <p:nvSpPr>
-          <p:cNvPr id="3" name="Content Placeholder 2">
-            <a:extLst>
-              <a:ext uri="{FF2B5EF4-FFF2-40B4-BE49-F238E27FC236}">
-                <a16:creationId xmlns:a16="http://schemas.microsoft.com/office/drawing/2014/main" id="{3F9F0074-3FA2-B1C9-A34E-B1609C875EF5}"/>
-              </a:ext>
-            </a:extLst>
-          </p:cNvPr>
-          <p:cNvSpPr>
-            <a:spLocks noGrp="1"/>
-          </p:cNvSpPr>
+        <p:spPr>
+          <a:xfrm>
+            <a:off x="838199" y="129455"/>
+            <a:ext cx="10515600" cy="1325563"/>
+          </a:xfrm>
+        </p:spPr>
+        <p:txBody>
+          <a:bodyPr/>
+          <a:lstStyle/>
+          <a:p>
+            <a:r>
+              <a:rPr lang="sr-Latn-RS" dirty="0"/>
+              <a:t>ZephyrOS</a:t>
+            </a:r>
+            <a:r>
+              <a:rPr lang="en-US" dirty="0"/>
+              <a:t> – network stack</a:t>
+            </a:r>
+          </a:p>
+        </p:txBody>
+      </p:sp>
+      <p:pic>
+        <p:nvPicPr>
+          <p:cNvPr id="8" name="Content Placeholder 7">
+            <a:extLst>
+              <a:ext uri="{FF2B5EF4-FFF2-40B4-BE49-F238E27FC236}">
+                <a16:creationId xmlns:a16="http://schemas.microsoft.com/office/drawing/2014/main" id="{A136FB8D-CB45-9C82-6F83-FA13BF9FC92E}"/>
+              </a:ext>
+            </a:extLst>
+          </p:cNvPr>
+          <p:cNvPicPr>
+            <a:picLocks noGrp="1" noChangeAspect="1"/>
+          </p:cNvPicPr>
           <p:nvPr>
             <p:ph idx="1"/>
           </p:nvPr>
-        </p:nvSpPr>
-        <p:spPr/>
-        <p:txBody>
-          <a:bodyPr/>
-          <a:lstStyle/>
-          <a:p>
-            <a:r>
-              <a:rPr lang="sr-Latn-RS" dirty="0"/>
-              <a:t>Kernel ZephyrOS-a je konfigurabilan, tako da se aplikacije napisane na ZephyrOS-u čak mogu izvršavati na uređajima sa 2KB memorije.</a:t>
-            </a:r>
-          </a:p>
-          <a:p>
-            <a:r>
-              <a:rPr lang="sr-Latn-RS" dirty="0"/>
-              <a:t>Po potrebi je u kernel moguće uključiti podršku za rad kompleksnijih uređaja, pri čemu </a:t>
-            </a:r>
-            <a:r>
-              <a:rPr lang="sr-Latn-RS" i="1" dirty="0"/>
-              <a:t>footprint</a:t>
-            </a:r>
-            <a:r>
-              <a:rPr lang="sr-Latn-RS" dirty="0"/>
-              <a:t> kernela ne može premašiti veličinu od 1MB. </a:t>
-            </a:r>
-          </a:p>
-        </p:txBody>
-      </p:sp>
+        </p:nvPicPr>
+        <p:blipFill>
+          <a:blip r:embed="rId2"/>
+          <a:stretch>
+            <a:fillRect/>
+          </a:stretch>
+        </p:blipFill>
+        <p:spPr>
+          <a:xfrm>
+            <a:off x="4484144" y="973415"/>
+            <a:ext cx="3223711" cy="5755130"/>
+          </a:xfrm>
+          <a:prstGeom prst="rect">
+            <a:avLst/>
+          </a:prstGeom>
+        </p:spPr>
+      </p:pic>
     </p:spTree>
     <p:extLst>
       <p:ext uri="{BB962C8B-B14F-4D97-AF65-F5344CB8AC3E}">
-        <p14:creationId xmlns:p14="http://schemas.microsoft.com/office/powerpoint/2010/main" val="1771570595"/>
+        <p14:creationId xmlns:p14="http://schemas.microsoft.com/office/powerpoint/2010/main" val="853906319"/>
       </p:ext>
     </p:extLst>
   </p:cSld>
@@ -7185,7 +7320,7 @@
           <p:cNvPr id="2" name="Title 1">
             <a:extLst>
               <a:ext uri="{FF2B5EF4-FFF2-40B4-BE49-F238E27FC236}">
-                <a16:creationId xmlns:a16="http://schemas.microsoft.com/office/drawing/2014/main" id="{F758C136-4529-DD88-0806-BF1097C4AA2A}"/>
+                <a16:creationId xmlns:a16="http://schemas.microsoft.com/office/drawing/2014/main" id="{6A41884B-C40A-3397-FF58-AAB94FC866AF}"/>
               </a:ext>
             </a:extLst>
           </p:cNvPr>
@@ -7214,7 +7349,7 @@
           <p:cNvPr id="3" name="Content Placeholder 2">
             <a:extLst>
               <a:ext uri="{FF2B5EF4-FFF2-40B4-BE49-F238E27FC236}">
-                <a16:creationId xmlns:a16="http://schemas.microsoft.com/office/drawing/2014/main" id="{E15164DE-A9EA-6C29-CE99-B936D6F63C1E}"/>
+                <a16:creationId xmlns:a16="http://schemas.microsoft.com/office/drawing/2014/main" id="{3F9F0074-3FA2-B1C9-A34E-B1609C875EF5}"/>
               </a:ext>
             </a:extLst>
           </p:cNvPr>
@@ -7232,30 +7367,29 @@
           <a:p>
             <a:r>
               <a:rPr lang="sr-Latn-RS" dirty="0"/>
-              <a:t>Aplikacija koja se piše na ZephyrOS-u i sam kernel ZephyrOS egzistiraju kao jedan entiet.</a:t>
-            </a:r>
-          </a:p>
-          <a:p>
-            <a:r>
-              <a:rPr lang="sr-Latn-RS" dirty="0"/>
-              <a:t>Aplikacija je ugrađena u ZephyrOS, tako da se prilikom pokretanja operativnog sistema, pozivom </a:t>
+              <a:t>Kernel ZephyrOS-a je konfigurabilan, tako da se aplikacije napisane na ZephyrOS-u čak mogu izvršavati na uređajima sa 2KB memorije.</a:t>
+            </a:r>
+          </a:p>
+          <a:p>
+            <a:r>
+              <a:rPr lang="sr-Latn-RS" dirty="0"/>
+              <a:t>Po potrebi je u kernel moguće uključiti podršku za rad kompleksnijih uređaja, pri čemu </a:t>
             </a:r>
             <a:r>
               <a:rPr lang="sr-Latn-RS" i="1" dirty="0"/>
-              <a:t>main</a:t>
-            </a:r>
-            <a:r>
-              <a:rPr lang="sr-Latn-RS" dirty="0"/>
-              <a:t> funkcije istovremeno pokreće i sama aplikacija.</a:t>
-            </a:r>
-            <a:endParaRPr lang="en-US" dirty="0"/>
+              <a:t>footprint</a:t>
+            </a:r>
+            <a:r>
+              <a:rPr lang="sr-Latn-RS" dirty="0"/>
+              <a:t> kernela ne može premašiti veličinu od 1MB. </a:t>
+            </a:r>
           </a:p>
         </p:txBody>
       </p:sp>
     </p:spTree>
     <p:extLst>
       <p:ext uri="{BB962C8B-B14F-4D97-AF65-F5344CB8AC3E}">
-        <p14:creationId xmlns:p14="http://schemas.microsoft.com/office/powerpoint/2010/main" val="936628983"/>
+        <p14:creationId xmlns:p14="http://schemas.microsoft.com/office/powerpoint/2010/main" val="1771570595"/>
       </p:ext>
     </p:extLst>
   </p:cSld>
@@ -7287,7 +7421,7 @@
           <p:cNvPr id="2" name="Title 1">
             <a:extLst>
               <a:ext uri="{FF2B5EF4-FFF2-40B4-BE49-F238E27FC236}">
-                <a16:creationId xmlns:a16="http://schemas.microsoft.com/office/drawing/2014/main" id="{D7D25D8C-1F7B-3E25-356F-A4BA5892B9C5}"/>
+                <a16:creationId xmlns:a16="http://schemas.microsoft.com/office/drawing/2014/main" id="{F758C136-4529-DD88-0806-BF1097C4AA2A}"/>
               </a:ext>
             </a:extLst>
           </p:cNvPr>
@@ -7305,7 +7439,7 @@
           <a:p>
             <a:r>
               <a:rPr lang="sr-Latn-RS" dirty="0"/>
-              <a:t>ZepyrOS – kernel </a:t>
+              <a:t>ZephyrOS – kernel </a:t>
             </a:r>
             <a:endParaRPr lang="en-US" dirty="0"/>
           </a:p>
@@ -7316,7 +7450,7 @@
           <p:cNvPr id="3" name="Content Placeholder 2">
             <a:extLst>
               <a:ext uri="{FF2B5EF4-FFF2-40B4-BE49-F238E27FC236}">
-                <a16:creationId xmlns:a16="http://schemas.microsoft.com/office/drawing/2014/main" id="{4107AC98-124B-F9CB-99E7-E6F8BE405C5A}"/>
+                <a16:creationId xmlns:a16="http://schemas.microsoft.com/office/drawing/2014/main" id="{E15164DE-A9EA-6C29-CE99-B936D6F63C1E}"/>
               </a:ext>
             </a:extLst>
           </p:cNvPr>
@@ -7334,52 +7468,22 @@
           <a:p>
             <a:r>
               <a:rPr lang="sr-Latn-RS" dirty="0"/>
-              <a:t>Podrška za korišćenje i upravljanje:</a:t>
-            </a:r>
-          </a:p>
-          <a:p>
-            <a:pPr lvl="1"/>
-            <a:r>
-              <a:rPr lang="sr-Latn-RS" dirty="0"/>
-              <a:t>Nitima</a:t>
-            </a:r>
-          </a:p>
-          <a:p>
-            <a:pPr lvl="1"/>
-            <a:r>
-              <a:rPr lang="sr-Latn-RS" dirty="0"/>
-              <a:t>Raspoređivanjem</a:t>
-            </a:r>
-          </a:p>
-          <a:p>
-            <a:pPr lvl="1"/>
-            <a:r>
-              <a:rPr lang="sr-Latn-RS" dirty="0"/>
-              <a:t>Semaforima i mutexima</a:t>
-            </a:r>
-          </a:p>
-          <a:p>
-            <a:pPr lvl="1"/>
-            <a:r>
-              <a:rPr lang="sr-Latn-RS" dirty="0"/>
-              <a:t>Prekidima</a:t>
-            </a:r>
-          </a:p>
-          <a:p>
-            <a:pPr lvl="1"/>
-            <a:r>
-              <a:rPr lang="sr-Latn-RS" dirty="0"/>
-              <a:t>Multiprocesiranjem</a:t>
-            </a:r>
-          </a:p>
-          <a:p>
-            <a:pPr marL="0" indent="0">
-              <a:buNone/>
-            </a:pPr>
-            <a:endParaRPr lang="sr-Latn-RS" dirty="0"/>
-          </a:p>
-          <a:p>
-            <a:pPr lvl="1"/>
+              <a:t>Aplikacija koja se piše na ZephyrOS-u i sam kernel ZephyrOS egzistiraju kao jedan entiet.</a:t>
+            </a:r>
+          </a:p>
+          <a:p>
+            <a:r>
+              <a:rPr lang="sr-Latn-RS" dirty="0"/>
+              <a:t>Aplikacija je ugrađena u ZephyrOS, tako da se prilikom pokretanja operativnog sistema, pozivom </a:t>
+            </a:r>
+            <a:r>
+              <a:rPr lang="sr-Latn-RS" i="1" dirty="0"/>
+              <a:t>main</a:t>
+            </a:r>
+            <a:r>
+              <a:rPr lang="sr-Latn-RS" dirty="0"/>
+              <a:t> funkcije istovremeno pokreće i sama aplikacija.</a:t>
+            </a:r>
             <a:endParaRPr lang="en-US" dirty="0"/>
           </a:p>
         </p:txBody>
@@ -7387,7 +7491,7 @@
     </p:spTree>
     <p:extLst>
       <p:ext uri="{BB962C8B-B14F-4D97-AF65-F5344CB8AC3E}">
-        <p14:creationId xmlns:p14="http://schemas.microsoft.com/office/powerpoint/2010/main" val="2666557605"/>
+        <p14:creationId xmlns:p14="http://schemas.microsoft.com/office/powerpoint/2010/main" val="936628983"/>
       </p:ext>
     </p:extLst>
   </p:cSld>
@@ -7419,7 +7523,7 @@
           <p:cNvPr id="2" name="Title 1">
             <a:extLst>
               <a:ext uri="{FF2B5EF4-FFF2-40B4-BE49-F238E27FC236}">
-                <a16:creationId xmlns:a16="http://schemas.microsoft.com/office/drawing/2014/main" id="{1DDC18E2-A1DC-8F52-0D7F-9C4B0F40B482}"/>
+                <a16:creationId xmlns:a16="http://schemas.microsoft.com/office/drawing/2014/main" id="{D7D25D8C-1F7B-3E25-356F-A4BA5892B9C5}"/>
               </a:ext>
             </a:extLst>
           </p:cNvPr>
@@ -7437,7 +7541,7 @@
           <a:p>
             <a:r>
               <a:rPr lang="sr-Latn-RS" dirty="0"/>
-              <a:t>ZephyrOS – niti </a:t>
+              <a:t>ZepyrOS – kernel </a:t>
             </a:r>
             <a:endParaRPr lang="en-US" dirty="0"/>
           </a:p>
@@ -7448,7 +7552,7 @@
           <p:cNvPr id="3" name="Content Placeholder 2">
             <a:extLst>
               <a:ext uri="{FF2B5EF4-FFF2-40B4-BE49-F238E27FC236}">
-                <a16:creationId xmlns:a16="http://schemas.microsoft.com/office/drawing/2014/main" id="{58A1E8E3-E7D3-0F84-F17F-25F3E1373FA2}"/>
+                <a16:creationId xmlns:a16="http://schemas.microsoft.com/office/drawing/2014/main" id="{4107AC98-124B-F9CB-99E7-E6F8BE405C5A}"/>
               </a:ext>
             </a:extLst>
           </p:cNvPr>
@@ -7461,73 +7565,57 @@
         </p:nvSpPr>
         <p:spPr/>
         <p:txBody>
-          <a:bodyPr>
-            <a:normAutofit lnSpcReduction="10000"/>
-          </a:bodyPr>
-          <a:lstStyle/>
-          <a:p>
-            <a:r>
-              <a:rPr lang="sr-Latn-RS" dirty="0"/>
-              <a:t>Nit u ZephyrOS-u predstavlja objekat kernela namenjen za procesiranje koji je previše kompleksan ili predugo traje da bi se izvršavao u okviru prekida</a:t>
-            </a:r>
-          </a:p>
-          <a:p>
-            <a:r>
-              <a:rPr lang="sr-Latn-RS" dirty="0"/>
-              <a:t>Identifikator niti </a:t>
-            </a:r>
-            <a:r>
-              <a:rPr lang="sr-Latn-RS" i="1" dirty="0"/>
-              <a:t>thread id</a:t>
-            </a:r>
-          </a:p>
-          <a:p>
-            <a:r>
-              <a:rPr lang="sr-Latn-RS" dirty="0"/>
-              <a:t>Ključna svojstva niti:</a:t>
+          <a:bodyPr/>
+          <a:lstStyle/>
+          <a:p>
+            <a:r>
+              <a:rPr lang="sr-Latn-RS" dirty="0"/>
+              <a:t>Podrška za korišćenje i upravljanje:</a:t>
             </a:r>
           </a:p>
           <a:p>
             <a:pPr lvl="1"/>
             <a:r>
               <a:rPr lang="sr-Latn-RS" dirty="0"/>
-              <a:t>Stack</a:t>
+              <a:t>Nitima</a:t>
             </a:r>
           </a:p>
           <a:p>
             <a:pPr lvl="1"/>
             <a:r>
               <a:rPr lang="sr-Latn-RS" dirty="0"/>
-              <a:t>TCB (Thread Control Block)</a:t>
+              <a:t>Raspoređivanjem</a:t>
             </a:r>
           </a:p>
           <a:p>
             <a:pPr lvl="1"/>
             <a:r>
               <a:rPr lang="sr-Latn-RS" dirty="0"/>
-              <a:t>Entry point function</a:t>
+              <a:t>Semaforima i mutexima</a:t>
             </a:r>
           </a:p>
           <a:p>
             <a:pPr lvl="1"/>
             <a:r>
               <a:rPr lang="sr-Latn-RS" dirty="0"/>
-              <a:t>Scheduling priority</a:t>
+              <a:t>Prekidima</a:t>
             </a:r>
           </a:p>
           <a:p>
             <a:pPr lvl="1"/>
             <a:r>
               <a:rPr lang="sr-Latn-RS" dirty="0"/>
-              <a:t>Start delay</a:t>
-            </a:r>
+              <a:t>Multiprocesiranjem</a:t>
+            </a:r>
+          </a:p>
+          <a:p>
+            <a:pPr marL="0" indent="0">
+              <a:buNone/>
+            </a:pPr>
+            <a:endParaRPr lang="sr-Latn-RS" dirty="0"/>
           </a:p>
           <a:p>
             <a:pPr lvl="1"/>
-            <a:r>
-              <a:rPr lang="sr-Latn-RS" dirty="0"/>
-              <a:t>Execution mode</a:t>
-            </a:r>
             <a:endParaRPr lang="en-US" dirty="0"/>
           </a:p>
         </p:txBody>
@@ -7535,7 +7623,7 @@
     </p:spTree>
     <p:extLst>
       <p:ext uri="{BB962C8B-B14F-4D97-AF65-F5344CB8AC3E}">
-        <p14:creationId xmlns:p14="http://schemas.microsoft.com/office/powerpoint/2010/main" val="3570473069"/>
+        <p14:creationId xmlns:p14="http://schemas.microsoft.com/office/powerpoint/2010/main" val="2666557605"/>
       </p:ext>
     </p:extLst>
   </p:cSld>
@@ -7567,7 +7655,7 @@
           <p:cNvPr id="2" name="Title 1">
             <a:extLst>
               <a:ext uri="{FF2B5EF4-FFF2-40B4-BE49-F238E27FC236}">
-                <a16:creationId xmlns:a16="http://schemas.microsoft.com/office/drawing/2014/main" id="{F8F6720C-1AD6-72A7-0E9F-D3E1D930AF1A}"/>
+                <a16:creationId xmlns:a16="http://schemas.microsoft.com/office/drawing/2014/main" id="{1DDC18E2-A1DC-8F52-0D7F-9C4B0F40B482}"/>
               </a:ext>
             </a:extLst>
           </p:cNvPr>
@@ -7596,7 +7684,7 @@
           <p:cNvPr id="3" name="Content Placeholder 2">
             <a:extLst>
               <a:ext uri="{FF2B5EF4-FFF2-40B4-BE49-F238E27FC236}">
-                <a16:creationId xmlns:a16="http://schemas.microsoft.com/office/drawing/2014/main" id="{65F2643F-2B0D-563D-5623-FFF5DD6FBB4A}"/>
+                <a16:creationId xmlns:a16="http://schemas.microsoft.com/office/drawing/2014/main" id="{58A1E8E3-E7D3-0F84-F17F-25F3E1373FA2}"/>
               </a:ext>
             </a:extLst>
           </p:cNvPr>
@@ -7609,69 +7697,81 @@
         </p:nvSpPr>
         <p:spPr/>
         <p:txBody>
-          <a:bodyPr/>
-          <a:lstStyle/>
-          <a:p>
-            <a:r>
-              <a:rPr lang="sr-Latn-RS" dirty="0"/>
-              <a:t>Životni ciklus niti:</a:t>
+          <a:bodyPr>
+            <a:normAutofit lnSpcReduction="10000"/>
+          </a:bodyPr>
+          <a:lstStyle/>
+          <a:p>
+            <a:r>
+              <a:rPr lang="sr-Latn-RS" dirty="0"/>
+              <a:t>Nit u ZephyrOS-u predstavlja objekat kernela namenjen za procesiranje koji je previše kompleksan ili predugo traje da bi se izvršavao u okviru prekida</a:t>
+            </a:r>
+          </a:p>
+          <a:p>
+            <a:r>
+              <a:rPr lang="sr-Latn-RS" dirty="0"/>
+              <a:t>Identifikator niti </a:t>
+            </a:r>
+            <a:r>
+              <a:rPr lang="sr-Latn-RS" i="1" dirty="0"/>
+              <a:t>thread id</a:t>
+            </a:r>
+          </a:p>
+          <a:p>
+            <a:r>
+              <a:rPr lang="sr-Latn-RS" dirty="0"/>
+              <a:t>Ključna svojstva niti:</a:t>
             </a:r>
           </a:p>
           <a:p>
             <a:pPr lvl="1"/>
             <a:r>
               <a:rPr lang="sr-Latn-RS" dirty="0"/>
-              <a:t>Thread creation – inicijalizacija steka i TCB-a</a:t>
+              <a:t>Stack</a:t>
             </a:r>
           </a:p>
           <a:p>
             <a:pPr lvl="1"/>
             <a:r>
               <a:rPr lang="sr-Latn-RS" dirty="0"/>
-              <a:t>Thread termination – sinhroni prekid izvršenja niti – </a:t>
-            </a:r>
-            <a:r>
-              <a:rPr lang="sr-Latn-RS" i="1" dirty="0"/>
-              <a:t>k_thread_join()</a:t>
+              <a:t>TCB (Thread Control Block)</a:t>
             </a:r>
           </a:p>
           <a:p>
             <a:pPr lvl="1"/>
             <a:r>
               <a:rPr lang="sr-Latn-RS" dirty="0"/>
-              <a:t>Thread aborting – asinhroni prekid izvršenja niti (trigerovanje fatal error događaja zbog koga nit prekida izvršenje) – </a:t>
-            </a:r>
-            <a:r>
-              <a:rPr lang="sr-Latn-RS" i="1" dirty="0"/>
-              <a:t>k_thread_abort()</a:t>
+              <a:t>Entry point function</a:t>
             </a:r>
           </a:p>
           <a:p>
             <a:pPr lvl="1"/>
             <a:r>
               <a:rPr lang="sr-Latn-RS" dirty="0"/>
-              <a:t>Thread suspension – prekid rada izvršenja niti – </a:t>
-            </a:r>
-            <a:r>
-              <a:rPr lang="sr-Latn-RS" i="1" dirty="0"/>
-              <a:t>k_thread_suspend() </a:t>
-            </a:r>
-            <a:r>
-              <a:rPr lang="sr-Latn-RS" dirty="0"/>
-              <a:t>sa mogućnošću nastavka izvršenja – </a:t>
-            </a:r>
-            <a:r>
-              <a:rPr lang="sr-Latn-RS" i="1" dirty="0"/>
-              <a:t>k_thread_resume()</a:t>
-            </a:r>
-            <a:endParaRPr lang="en-US" i="1" dirty="0"/>
+              <a:t>Scheduling priority</a:t>
+            </a:r>
+          </a:p>
+          <a:p>
+            <a:pPr lvl="1"/>
+            <a:r>
+              <a:rPr lang="sr-Latn-RS" dirty="0"/>
+              <a:t>Start delay</a:t>
+            </a:r>
+          </a:p>
+          <a:p>
+            <a:pPr lvl="1"/>
+            <a:r>
+              <a:rPr lang="sr-Latn-RS" dirty="0"/>
+              <a:t>Execution mode</a:t>
+            </a:r>
+            <a:endParaRPr lang="en-US" dirty="0"/>
           </a:p>
         </p:txBody>
       </p:sp>
     </p:spTree>
     <p:extLst>
       <p:ext uri="{BB962C8B-B14F-4D97-AF65-F5344CB8AC3E}">
-        <p14:creationId xmlns:p14="http://schemas.microsoft.com/office/powerpoint/2010/main" val="3393857148"/>
+        <p14:creationId xmlns:p14="http://schemas.microsoft.com/office/powerpoint/2010/main" val="3570473069"/>
       </p:ext>
     </p:extLst>
   </p:cSld>
